--- a/JobShopScheduling/Instances.pptx
+++ b/JobShopScheduling/Instances.pptx
@@ -25,6 +25,16 @@
     <p:sldId id="273" r:id="rId19"/>
     <p:sldId id="274" r:id="rId20"/>
     <p:sldId id="275" r:id="rId21"/>
+    <p:sldId id="276" r:id="rId22"/>
+    <p:sldId id="277" r:id="rId23"/>
+    <p:sldId id="278" r:id="rId24"/>
+    <p:sldId id="279" r:id="rId25"/>
+    <p:sldId id="280" r:id="rId26"/>
+    <p:sldId id="281" r:id="rId27"/>
+    <p:sldId id="282" r:id="rId28"/>
+    <p:sldId id="283" r:id="rId29"/>
+    <p:sldId id="284" r:id="rId30"/>
+    <p:sldId id="285" r:id="rId31"/>
   </p:sldIdLst>
   <p:sldSz cx="18288000" cy="7315200"/>
   <p:notesSz cx="6858000" cy="9144000"/>
@@ -273,7 +283,7 @@
           <a:p>
             <a:fld id="{5EBE464C-F0DC-43ED-A2AC-5D2B761BA599}" type="datetimeFigureOut">
               <a:rPr lang="en-US" smtClean="0"/>
-              <a:t>5/29/2020</a:t>
+              <a:t>5/30/2020</a:t>
             </a:fld>
             <a:endParaRPr lang="en-US"/>
           </a:p>
@@ -443,7 +453,7 @@
           <a:p>
             <a:fld id="{5EBE464C-F0DC-43ED-A2AC-5D2B761BA599}" type="datetimeFigureOut">
               <a:rPr lang="en-US" smtClean="0"/>
-              <a:t>5/29/2020</a:t>
+              <a:t>5/30/2020</a:t>
             </a:fld>
             <a:endParaRPr lang="en-US"/>
           </a:p>
@@ -623,7 +633,7 @@
           <a:p>
             <a:fld id="{5EBE464C-F0DC-43ED-A2AC-5D2B761BA599}" type="datetimeFigureOut">
               <a:rPr lang="en-US" smtClean="0"/>
-              <a:t>5/29/2020</a:t>
+              <a:t>5/30/2020</a:t>
             </a:fld>
             <a:endParaRPr lang="en-US"/>
           </a:p>
@@ -793,7 +803,7 @@
           <a:p>
             <a:fld id="{5EBE464C-F0DC-43ED-A2AC-5D2B761BA599}" type="datetimeFigureOut">
               <a:rPr lang="en-US" smtClean="0"/>
-              <a:t>5/29/2020</a:t>
+              <a:t>5/30/2020</a:t>
             </a:fld>
             <a:endParaRPr lang="en-US"/>
           </a:p>
@@ -1039,7 +1049,7 @@
           <a:p>
             <a:fld id="{5EBE464C-F0DC-43ED-A2AC-5D2B761BA599}" type="datetimeFigureOut">
               <a:rPr lang="en-US" smtClean="0"/>
-              <a:t>5/29/2020</a:t>
+              <a:t>5/30/2020</a:t>
             </a:fld>
             <a:endParaRPr lang="en-US"/>
           </a:p>
@@ -1271,7 +1281,7 @@
           <a:p>
             <a:fld id="{5EBE464C-F0DC-43ED-A2AC-5D2B761BA599}" type="datetimeFigureOut">
               <a:rPr lang="en-US" smtClean="0"/>
-              <a:t>5/29/2020</a:t>
+              <a:t>5/30/2020</a:t>
             </a:fld>
             <a:endParaRPr lang="en-US"/>
           </a:p>
@@ -1638,7 +1648,7 @@
           <a:p>
             <a:fld id="{5EBE464C-F0DC-43ED-A2AC-5D2B761BA599}" type="datetimeFigureOut">
               <a:rPr lang="en-US" smtClean="0"/>
-              <a:t>5/29/2020</a:t>
+              <a:t>5/30/2020</a:t>
             </a:fld>
             <a:endParaRPr lang="en-US"/>
           </a:p>
@@ -1756,7 +1766,7 @@
           <a:p>
             <a:fld id="{5EBE464C-F0DC-43ED-A2AC-5D2B761BA599}" type="datetimeFigureOut">
               <a:rPr lang="en-US" smtClean="0"/>
-              <a:t>5/29/2020</a:t>
+              <a:t>5/30/2020</a:t>
             </a:fld>
             <a:endParaRPr lang="en-US"/>
           </a:p>
@@ -1851,7 +1861,7 @@
           <a:p>
             <a:fld id="{5EBE464C-F0DC-43ED-A2AC-5D2B761BA599}" type="datetimeFigureOut">
               <a:rPr lang="en-US" smtClean="0"/>
-              <a:t>5/29/2020</a:t>
+              <a:t>5/30/2020</a:t>
             </a:fld>
             <a:endParaRPr lang="en-US"/>
           </a:p>
@@ -2128,7 +2138,7 @@
           <a:p>
             <a:fld id="{5EBE464C-F0DC-43ED-A2AC-5D2B761BA599}" type="datetimeFigureOut">
               <a:rPr lang="en-US" smtClean="0"/>
-              <a:t>5/29/2020</a:t>
+              <a:t>5/30/2020</a:t>
             </a:fld>
             <a:endParaRPr lang="en-US"/>
           </a:p>
@@ -2385,7 +2395,7 @@
           <a:p>
             <a:fld id="{5EBE464C-F0DC-43ED-A2AC-5D2B761BA599}" type="datetimeFigureOut">
               <a:rPr lang="en-US" smtClean="0"/>
-              <a:t>5/29/2020</a:t>
+              <a:t>5/30/2020</a:t>
             </a:fld>
             <a:endParaRPr lang="en-US"/>
           </a:p>
@@ -2598,7 +2608,7 @@
           <a:p>
             <a:fld id="{5EBE464C-F0DC-43ED-A2AC-5D2B761BA599}" type="datetimeFigureOut">
               <a:rPr lang="en-US" smtClean="0"/>
-              <a:t>5/29/2020</a:t>
+              <a:t>5/30/2020</a:t>
             </a:fld>
             <a:endParaRPr lang="en-US"/>
           </a:p>
@@ -13397,6 +13407,3579 @@
 </p:sld>
 </file>
 
+<file path=ppt/slides/slide21.xml><?xml version="1.0" encoding="utf-8"?>
+<p:sld xmlns:a="http://schemas.openxmlformats.org/drawingml/2006/main" xmlns:r="http://schemas.openxmlformats.org/officeDocument/2006/relationships" xmlns:p="http://schemas.openxmlformats.org/presentationml/2006/main">
+  <p:cSld>
+    <p:spTree>
+      <p:nvGrpSpPr>
+        <p:cNvPr id="1" name=""/>
+        <p:cNvGrpSpPr/>
+        <p:nvPr/>
+      </p:nvGrpSpPr>
+      <p:grpSpPr>
+        <a:xfrm>
+          <a:off x="0" y="0"/>
+          <a:ext cx="0" cy="0"/>
+          <a:chOff x="0" y="0"/>
+          <a:chExt cx="0" cy="0"/>
+        </a:xfrm>
+      </p:grpSpPr>
+      <p:sp>
+        <p:nvSpPr>
+          <p:cNvPr id="27" name="Title 26">
+            <a:extLst>
+              <a:ext uri="{FF2B5EF4-FFF2-40B4-BE49-F238E27FC236}">
+                <a16:creationId xmlns:a16="http://schemas.microsoft.com/office/drawing/2014/main" id="{DF086175-8F1D-4616-BC43-12B2882CB6CD}"/>
+              </a:ext>
+            </a:extLst>
+          </p:cNvPr>
+          <p:cNvSpPr>
+            <a:spLocks noGrp="1"/>
+          </p:cNvSpPr>
+          <p:nvPr>
+            <p:ph type="ctrTitle"/>
+          </p:nvPr>
+        </p:nvSpPr>
+        <p:spPr/>
+        <p:txBody>
+          <a:bodyPr>
+            <a:normAutofit/>
+          </a:bodyPr>
+          <a:lstStyle/>
+          <a:p>
+            <a:r>
+              <a:rPr lang="es-419" sz="8800" b="1" dirty="0">
+                <a:effectLst>
+                  <a:outerShdw blurRad="38100" dist="38100" dir="2700000" algn="tl">
+                    <a:srgbClr val="000000">
+                      <a:alpha val="43137"/>
+                    </a:srgbClr>
+                  </a:outerShdw>
+                </a:effectLst>
+                <a:latin typeface="Times New Roman" panose="02020603050405020304" pitchFamily="18" charset="0"/>
+                <a:cs typeface="Times New Roman" panose="02020603050405020304" pitchFamily="18" charset="0"/>
+              </a:rPr>
+              <a:t>GEN01</a:t>
+            </a:r>
+            <a:endParaRPr lang="en-US" sz="8800" b="1" dirty="0">
+              <a:effectLst>
+                <a:outerShdw blurRad="38100" dist="38100" dir="2700000" algn="tl">
+                  <a:srgbClr val="000000">
+                    <a:alpha val="43137"/>
+                  </a:srgbClr>
+                </a:outerShdw>
+              </a:effectLst>
+              <a:latin typeface="Times New Roman" panose="02020603050405020304" pitchFamily="18" charset="0"/>
+              <a:cs typeface="Times New Roman" panose="02020603050405020304" pitchFamily="18" charset="0"/>
+            </a:endParaRPr>
+          </a:p>
+        </p:txBody>
+      </p:sp>
+      <p:sp>
+        <p:nvSpPr>
+          <p:cNvPr id="28" name="Subtitle 27">
+            <a:extLst>
+              <a:ext uri="{FF2B5EF4-FFF2-40B4-BE49-F238E27FC236}">
+                <a16:creationId xmlns:a16="http://schemas.microsoft.com/office/drawing/2014/main" id="{A3BD9699-864C-49D1-9F28-3E081D59C001}"/>
+              </a:ext>
+            </a:extLst>
+          </p:cNvPr>
+          <p:cNvSpPr>
+            <a:spLocks noGrp="1"/>
+          </p:cNvSpPr>
+          <p:nvPr>
+            <p:ph type="subTitle" idx="1"/>
+          </p:nvPr>
+        </p:nvSpPr>
+        <p:spPr/>
+        <p:txBody>
+          <a:bodyPr/>
+          <a:lstStyle/>
+          <a:p>
+            <a:endParaRPr lang="en-US"/>
+          </a:p>
+        </p:txBody>
+      </p:sp>
+    </p:spTree>
+    <p:extLst>
+      <p:ext uri="{BB962C8B-B14F-4D97-AF65-F5344CB8AC3E}">
+        <p14:creationId xmlns:p14="http://schemas.microsoft.com/office/powerpoint/2010/main" val="146292378"/>
+      </p:ext>
+    </p:extLst>
+  </p:cSld>
+  <p:clrMapOvr>
+    <a:masterClrMapping/>
+  </p:clrMapOvr>
+</p:sld>
+</file>
+
+<file path=ppt/slides/slide22.xml><?xml version="1.0" encoding="utf-8"?>
+<p:sld xmlns:a="http://schemas.openxmlformats.org/drawingml/2006/main" xmlns:r="http://schemas.openxmlformats.org/officeDocument/2006/relationships" xmlns:p="http://schemas.openxmlformats.org/presentationml/2006/main">
+  <p:cSld>
+    <p:spTree>
+      <p:nvGrpSpPr>
+        <p:cNvPr id="1" name=""/>
+        <p:cNvGrpSpPr/>
+        <p:nvPr/>
+      </p:nvGrpSpPr>
+      <p:grpSpPr>
+        <a:xfrm>
+          <a:off x="0" y="0"/>
+          <a:ext cx="0" cy="0"/>
+          <a:chOff x="0" y="0"/>
+          <a:chExt cx="0" cy="0"/>
+        </a:xfrm>
+      </p:grpSpPr>
+      <p:sp>
+        <p:nvSpPr>
+          <p:cNvPr id="4" name="TextBox 3">
+            <a:extLst>
+              <a:ext uri="{FF2B5EF4-FFF2-40B4-BE49-F238E27FC236}">
+                <a16:creationId xmlns:a16="http://schemas.microsoft.com/office/drawing/2014/main" id="{AC9F781A-7D5E-4F89-B7FA-B2D77FA150B3}"/>
+              </a:ext>
+            </a:extLst>
+          </p:cNvPr>
+          <p:cNvSpPr txBox="1"/>
+          <p:nvPr/>
+        </p:nvSpPr>
+        <p:spPr>
+          <a:xfrm>
+            <a:off x="385011" y="397042"/>
+            <a:ext cx="3454792" cy="4524315"/>
+          </a:xfrm>
+          <a:prstGeom prst="rect">
+            <a:avLst/>
+          </a:prstGeom>
+          <a:noFill/>
+        </p:spPr>
+        <p:txBody>
+          <a:bodyPr wrap="none" rtlCol="0">
+            <a:spAutoFit/>
+          </a:bodyPr>
+          <a:lstStyle/>
+          <a:p>
+            <a:r>
+              <a:rPr lang="es-419" dirty="0"/>
+              <a:t>Processing Times:</a:t>
+            </a:r>
+          </a:p>
+          <a:p>
+            <a:r>
+              <a:rPr lang="de-DE" dirty="0"/>
+              <a:t>7.7673    9.0858    4.6859   10.0000</a:t>
+            </a:r>
+          </a:p>
+          <a:p>
+            <a:r>
+              <a:rPr lang="de-DE" dirty="0"/>
+              <a:t>2.5010    0.5195   10.0000    2.7803</a:t>
+            </a:r>
+          </a:p>
+          <a:p>
+            <a:r>
+              <a:rPr lang="de-DE" dirty="0"/>
+              <a:t>7.7704    9.0842    6.0278   10.0000</a:t>
+            </a:r>
+          </a:p>
+          <a:p>
+            <a:endParaRPr lang="de-DE" dirty="0"/>
+          </a:p>
+          <a:p>
+            <a:r>
+              <a:rPr lang="de-DE" dirty="0"/>
+              <a:t>MACHINES</a:t>
+            </a:r>
+          </a:p>
+          <a:p>
+            <a:r>
+              <a:rPr lang="de-DE" dirty="0"/>
+              <a:t>1     2     1     2</a:t>
+            </a:r>
+          </a:p>
+          <a:p>
+            <a:r>
+              <a:rPr lang="de-DE" dirty="0"/>
+              <a:t>3     3     2     1</a:t>
+            </a:r>
+          </a:p>
+          <a:p>
+            <a:r>
+              <a:rPr lang="de-DE" dirty="0"/>
+              <a:t>2     4     1     4</a:t>
+            </a:r>
+          </a:p>
+          <a:p>
+            <a:endParaRPr lang="de-DE" dirty="0"/>
+          </a:p>
+          <a:p>
+            <a:r>
+              <a:rPr lang="de-DE" dirty="0"/>
+              <a:t>Heuristic: </a:t>
+            </a:r>
+          </a:p>
+          <a:p>
+            <a:r>
+              <a:rPr lang="de-DE" dirty="0"/>
+              <a:t>Largest Processing Time (LPT)</a:t>
+            </a:r>
+          </a:p>
+          <a:p>
+            <a:endParaRPr lang="de-DE" dirty="0"/>
+          </a:p>
+          <a:p>
+            <a:r>
+              <a:rPr lang="de-DE" dirty="0"/>
+              <a:t>Makespan: 37.5682</a:t>
+            </a:r>
+          </a:p>
+          <a:p>
+            <a:endParaRPr lang="de-DE" dirty="0"/>
+          </a:p>
+          <a:p>
+            <a:endParaRPr lang="de-DE" dirty="0"/>
+          </a:p>
+        </p:txBody>
+      </p:sp>
+      <p:sp>
+        <p:nvSpPr>
+          <p:cNvPr id="6" name="Rectangle 5">
+            <a:extLst>
+              <a:ext uri="{FF2B5EF4-FFF2-40B4-BE49-F238E27FC236}">
+                <a16:creationId xmlns:a16="http://schemas.microsoft.com/office/drawing/2014/main" id="{E55B10C1-BA75-421F-AB4A-AE291BDAF77C}"/>
+              </a:ext>
+            </a:extLst>
+          </p:cNvPr>
+          <p:cNvSpPr/>
+          <p:nvPr/>
+        </p:nvSpPr>
+        <p:spPr>
+          <a:xfrm>
+            <a:off x="5570620" y="-1010653"/>
+            <a:ext cx="914400" cy="914400"/>
+          </a:xfrm>
+          <a:prstGeom prst="rect">
+            <a:avLst/>
+          </a:prstGeom>
+          <a:solidFill>
+            <a:srgbClr val="FFC000"/>
+          </a:solidFill>
+        </p:spPr>
+        <p:style>
+          <a:lnRef idx="2">
+            <a:schemeClr val="accent1">
+              <a:shade val="50000"/>
+            </a:schemeClr>
+          </a:lnRef>
+          <a:fillRef idx="1">
+            <a:schemeClr val="accent1"/>
+          </a:fillRef>
+          <a:effectRef idx="0">
+            <a:schemeClr val="accent1"/>
+          </a:effectRef>
+          <a:fontRef idx="minor">
+            <a:schemeClr val="lt1"/>
+          </a:fontRef>
+        </p:style>
+        <p:txBody>
+          <a:bodyPr rtlCol="0" anchor="ctr"/>
+          <a:lstStyle/>
+          <a:p>
+            <a:pPr algn="ctr"/>
+            <a:r>
+              <a:rPr lang="es-419" dirty="0"/>
+              <a:t>J2</a:t>
+            </a:r>
+            <a:endParaRPr lang="en-US" dirty="0"/>
+          </a:p>
+        </p:txBody>
+      </p:sp>
+      <p:sp>
+        <p:nvSpPr>
+          <p:cNvPr id="8" name="Rectangle 7">
+            <a:extLst>
+              <a:ext uri="{FF2B5EF4-FFF2-40B4-BE49-F238E27FC236}">
+                <a16:creationId xmlns:a16="http://schemas.microsoft.com/office/drawing/2014/main" id="{FEFD8500-FBA5-4A07-8266-94D899F047F3}"/>
+              </a:ext>
+            </a:extLst>
+          </p:cNvPr>
+          <p:cNvSpPr/>
+          <p:nvPr/>
+        </p:nvSpPr>
+        <p:spPr>
+          <a:xfrm>
+            <a:off x="8987590" y="-1010653"/>
+            <a:ext cx="914400" cy="914400"/>
+          </a:xfrm>
+          <a:prstGeom prst="rect">
+            <a:avLst/>
+          </a:prstGeom>
+          <a:solidFill>
+            <a:srgbClr val="00B050"/>
+          </a:solidFill>
+        </p:spPr>
+        <p:style>
+          <a:lnRef idx="2">
+            <a:schemeClr val="accent1">
+              <a:shade val="50000"/>
+            </a:schemeClr>
+          </a:lnRef>
+          <a:fillRef idx="1">
+            <a:schemeClr val="accent1"/>
+          </a:fillRef>
+          <a:effectRef idx="0">
+            <a:schemeClr val="accent1"/>
+          </a:effectRef>
+          <a:fontRef idx="minor">
+            <a:schemeClr val="lt1"/>
+          </a:fontRef>
+        </p:style>
+        <p:txBody>
+          <a:bodyPr rtlCol="0" anchor="ctr"/>
+          <a:lstStyle/>
+          <a:p>
+            <a:pPr algn="ctr"/>
+            <a:r>
+              <a:rPr lang="es-419" dirty="0"/>
+              <a:t>J4</a:t>
+            </a:r>
+            <a:endParaRPr lang="en-US" dirty="0"/>
+          </a:p>
+        </p:txBody>
+      </p:sp>
+      <p:sp>
+        <p:nvSpPr>
+          <p:cNvPr id="9" name="Rectangle 8">
+            <a:extLst>
+              <a:ext uri="{FF2B5EF4-FFF2-40B4-BE49-F238E27FC236}">
+                <a16:creationId xmlns:a16="http://schemas.microsoft.com/office/drawing/2014/main" id="{521DAF4A-5711-47AE-850A-F86526E6EF75}"/>
+              </a:ext>
+            </a:extLst>
+          </p:cNvPr>
+          <p:cNvSpPr/>
+          <p:nvPr/>
+        </p:nvSpPr>
+        <p:spPr>
+          <a:xfrm>
+            <a:off x="10214811" y="-1010653"/>
+            <a:ext cx="914400" cy="914400"/>
+          </a:xfrm>
+          <a:prstGeom prst="rect">
+            <a:avLst/>
+          </a:prstGeom>
+          <a:solidFill>
+            <a:schemeClr val="accent3">
+              <a:lumMod val="60000"/>
+              <a:lumOff val="40000"/>
+            </a:schemeClr>
+          </a:solidFill>
+        </p:spPr>
+        <p:style>
+          <a:lnRef idx="2">
+            <a:schemeClr val="accent1">
+              <a:shade val="50000"/>
+            </a:schemeClr>
+          </a:lnRef>
+          <a:fillRef idx="1">
+            <a:schemeClr val="accent1"/>
+          </a:fillRef>
+          <a:effectRef idx="0">
+            <a:schemeClr val="accent1"/>
+          </a:effectRef>
+          <a:fontRef idx="minor">
+            <a:schemeClr val="lt1"/>
+          </a:fontRef>
+        </p:style>
+        <p:txBody>
+          <a:bodyPr rtlCol="0" anchor="ctr"/>
+          <a:lstStyle/>
+          <a:p>
+            <a:pPr algn="ctr"/>
+            <a:r>
+              <a:rPr lang="es-419" dirty="0"/>
+              <a:t>J5</a:t>
+            </a:r>
+            <a:endParaRPr lang="en-US" dirty="0"/>
+          </a:p>
+        </p:txBody>
+      </p:sp>
+      <p:sp>
+        <p:nvSpPr>
+          <p:cNvPr id="17" name="Rectangle 16">
+            <a:extLst>
+              <a:ext uri="{FF2B5EF4-FFF2-40B4-BE49-F238E27FC236}">
+                <a16:creationId xmlns:a16="http://schemas.microsoft.com/office/drawing/2014/main" id="{09C9F743-1511-4D1A-A797-F33A333213F7}"/>
+              </a:ext>
+            </a:extLst>
+          </p:cNvPr>
+          <p:cNvSpPr/>
+          <p:nvPr/>
+        </p:nvSpPr>
+        <p:spPr>
+          <a:xfrm>
+            <a:off x="4384949" y="-1010653"/>
+            <a:ext cx="914400" cy="914400"/>
+          </a:xfrm>
+          <a:prstGeom prst="rect">
+            <a:avLst/>
+          </a:prstGeom>
+        </p:spPr>
+        <p:style>
+          <a:lnRef idx="2">
+            <a:schemeClr val="accent1">
+              <a:shade val="50000"/>
+            </a:schemeClr>
+          </a:lnRef>
+          <a:fillRef idx="1">
+            <a:schemeClr val="accent1"/>
+          </a:fillRef>
+          <a:effectRef idx="0">
+            <a:schemeClr val="accent1"/>
+          </a:effectRef>
+          <a:fontRef idx="minor">
+            <a:schemeClr val="lt1"/>
+          </a:fontRef>
+        </p:style>
+        <p:txBody>
+          <a:bodyPr rtlCol="0" anchor="ctr"/>
+          <a:lstStyle/>
+          <a:p>
+            <a:pPr algn="ctr"/>
+            <a:r>
+              <a:rPr lang="es-419" dirty="0"/>
+              <a:t>J1</a:t>
+            </a:r>
+            <a:endParaRPr lang="en-US" dirty="0"/>
+          </a:p>
+        </p:txBody>
+      </p:sp>
+      <p:sp>
+        <p:nvSpPr>
+          <p:cNvPr id="25" name="Rectangle 24">
+            <a:extLst>
+              <a:ext uri="{FF2B5EF4-FFF2-40B4-BE49-F238E27FC236}">
+                <a16:creationId xmlns:a16="http://schemas.microsoft.com/office/drawing/2014/main" id="{98F85B07-156D-44EA-ABF6-B1308D53D611}"/>
+              </a:ext>
+            </a:extLst>
+          </p:cNvPr>
+          <p:cNvSpPr/>
+          <p:nvPr/>
+        </p:nvSpPr>
+        <p:spPr>
+          <a:xfrm>
+            <a:off x="6887519" y="-1010653"/>
+            <a:ext cx="914400" cy="914400"/>
+          </a:xfrm>
+          <a:prstGeom prst="rect">
+            <a:avLst/>
+          </a:prstGeom>
+          <a:solidFill>
+            <a:srgbClr val="FF0000"/>
+          </a:solidFill>
+        </p:spPr>
+        <p:style>
+          <a:lnRef idx="2">
+            <a:schemeClr val="accent1">
+              <a:shade val="50000"/>
+            </a:schemeClr>
+          </a:lnRef>
+          <a:fillRef idx="1">
+            <a:schemeClr val="accent1"/>
+          </a:fillRef>
+          <a:effectRef idx="0">
+            <a:schemeClr val="accent1"/>
+          </a:effectRef>
+          <a:fontRef idx="minor">
+            <a:schemeClr val="lt1"/>
+          </a:fontRef>
+        </p:style>
+        <p:txBody>
+          <a:bodyPr rtlCol="0" anchor="ctr"/>
+          <a:lstStyle/>
+          <a:p>
+            <a:pPr algn="ctr"/>
+            <a:r>
+              <a:rPr lang="es-419" dirty="0"/>
+              <a:t>J3</a:t>
+            </a:r>
+            <a:endParaRPr lang="en-US" dirty="0"/>
+          </a:p>
+        </p:txBody>
+      </p:sp>
+      <p:sp>
+        <p:nvSpPr>
+          <p:cNvPr id="26" name="TextBox 25">
+            <a:extLst>
+              <a:ext uri="{FF2B5EF4-FFF2-40B4-BE49-F238E27FC236}">
+                <a16:creationId xmlns:a16="http://schemas.microsoft.com/office/drawing/2014/main" id="{9E61E333-43CD-4075-9157-3AADD4C81654}"/>
+              </a:ext>
+            </a:extLst>
+          </p:cNvPr>
+          <p:cNvSpPr txBox="1"/>
+          <p:nvPr/>
+        </p:nvSpPr>
+        <p:spPr>
+          <a:xfrm>
+            <a:off x="16810736" y="6730425"/>
+            <a:ext cx="1484702" cy="584775"/>
+          </a:xfrm>
+          <a:prstGeom prst="rect">
+            <a:avLst/>
+          </a:prstGeom>
+          <a:noFill/>
+        </p:spPr>
+        <p:txBody>
+          <a:bodyPr wrap="none" rtlCol="0">
+            <a:spAutoFit/>
+          </a:bodyPr>
+          <a:lstStyle/>
+          <a:p>
+            <a:pPr algn="r"/>
+            <a:r>
+              <a:rPr lang="es-419" sz="3200" b="1" dirty="0">
+                <a:latin typeface="Times New Roman" panose="02020603050405020304" pitchFamily="18" charset="0"/>
+                <a:cs typeface="Times New Roman" panose="02020603050405020304" pitchFamily="18" charset="0"/>
+              </a:rPr>
+              <a:t>GEN01</a:t>
+            </a:r>
+            <a:endParaRPr lang="en-US" sz="3200" b="1" dirty="0">
+              <a:latin typeface="Times New Roman" panose="02020603050405020304" pitchFamily="18" charset="0"/>
+              <a:cs typeface="Times New Roman" panose="02020603050405020304" pitchFamily="18" charset="0"/>
+            </a:endParaRPr>
+          </a:p>
+        </p:txBody>
+      </p:sp>
+      <p:pic>
+        <p:nvPicPr>
+          <p:cNvPr id="3" name="Picture 2">
+            <a:extLst>
+              <a:ext uri="{FF2B5EF4-FFF2-40B4-BE49-F238E27FC236}">
+                <a16:creationId xmlns:a16="http://schemas.microsoft.com/office/drawing/2014/main" id="{B9E5DB23-C5B8-41D4-910A-D538D0D6459D}"/>
+              </a:ext>
+            </a:extLst>
+          </p:cNvPr>
+          <p:cNvPicPr>
+            <a:picLocks noChangeAspect="1"/>
+          </p:cNvPicPr>
+          <p:nvPr/>
+        </p:nvPicPr>
+        <p:blipFill>
+          <a:blip r:embed="rId2"/>
+          <a:stretch>
+            <a:fillRect/>
+          </a:stretch>
+        </p:blipFill>
+        <p:spPr>
+          <a:xfrm>
+            <a:off x="4267200" y="0"/>
+            <a:ext cx="9753600" cy="7315200"/>
+          </a:xfrm>
+          <a:prstGeom prst="rect">
+            <a:avLst/>
+          </a:prstGeom>
+        </p:spPr>
+      </p:pic>
+    </p:spTree>
+    <p:extLst>
+      <p:ext uri="{BB962C8B-B14F-4D97-AF65-F5344CB8AC3E}">
+        <p14:creationId xmlns:p14="http://schemas.microsoft.com/office/powerpoint/2010/main" val="2499920495"/>
+      </p:ext>
+    </p:extLst>
+  </p:cSld>
+  <p:clrMapOvr>
+    <a:masterClrMapping/>
+  </p:clrMapOvr>
+</p:sld>
+</file>
+
+<file path=ppt/slides/slide23.xml><?xml version="1.0" encoding="utf-8"?>
+<p:sld xmlns:a="http://schemas.openxmlformats.org/drawingml/2006/main" xmlns:r="http://schemas.openxmlformats.org/officeDocument/2006/relationships" xmlns:p="http://schemas.openxmlformats.org/presentationml/2006/main">
+  <p:cSld>
+    <p:spTree>
+      <p:nvGrpSpPr>
+        <p:cNvPr id="1" name=""/>
+        <p:cNvGrpSpPr/>
+        <p:nvPr/>
+      </p:nvGrpSpPr>
+      <p:grpSpPr>
+        <a:xfrm>
+          <a:off x="0" y="0"/>
+          <a:ext cx="0" cy="0"/>
+          <a:chOff x="0" y="0"/>
+          <a:chExt cx="0" cy="0"/>
+        </a:xfrm>
+      </p:grpSpPr>
+      <p:pic>
+        <p:nvPicPr>
+          <p:cNvPr id="2" name="Picture 1">
+            <a:extLst>
+              <a:ext uri="{FF2B5EF4-FFF2-40B4-BE49-F238E27FC236}">
+                <a16:creationId xmlns:a16="http://schemas.microsoft.com/office/drawing/2014/main" id="{33072217-F4FE-44B7-927E-12C441230C00}"/>
+              </a:ext>
+            </a:extLst>
+          </p:cNvPr>
+          <p:cNvPicPr>
+            <a:picLocks noChangeAspect="1"/>
+          </p:cNvPicPr>
+          <p:nvPr/>
+        </p:nvPicPr>
+        <p:blipFill>
+          <a:blip r:embed="rId2"/>
+          <a:stretch>
+            <a:fillRect/>
+          </a:stretch>
+        </p:blipFill>
+        <p:spPr>
+          <a:xfrm>
+            <a:off x="4267200" y="0"/>
+            <a:ext cx="9753600" cy="7315200"/>
+          </a:xfrm>
+          <a:prstGeom prst="rect">
+            <a:avLst/>
+          </a:prstGeom>
+        </p:spPr>
+      </p:pic>
+      <p:sp>
+        <p:nvSpPr>
+          <p:cNvPr id="4" name="TextBox 3">
+            <a:extLst>
+              <a:ext uri="{FF2B5EF4-FFF2-40B4-BE49-F238E27FC236}">
+                <a16:creationId xmlns:a16="http://schemas.microsoft.com/office/drawing/2014/main" id="{AC9F781A-7D5E-4F89-B7FA-B2D77FA150B3}"/>
+              </a:ext>
+            </a:extLst>
+          </p:cNvPr>
+          <p:cNvSpPr txBox="1"/>
+          <p:nvPr/>
+        </p:nvSpPr>
+        <p:spPr>
+          <a:xfrm>
+            <a:off x="385011" y="397042"/>
+            <a:ext cx="3454792" cy="4801314"/>
+          </a:xfrm>
+          <a:prstGeom prst="rect">
+            <a:avLst/>
+          </a:prstGeom>
+          <a:noFill/>
+        </p:spPr>
+        <p:txBody>
+          <a:bodyPr wrap="none" rtlCol="0">
+            <a:spAutoFit/>
+          </a:bodyPr>
+          <a:lstStyle/>
+          <a:p>
+            <a:r>
+              <a:rPr lang="es-419" dirty="0"/>
+              <a:t>Processing Times:</a:t>
+            </a:r>
+          </a:p>
+          <a:p>
+            <a:r>
+              <a:rPr lang="de-DE" dirty="0"/>
+              <a:t>7.7673    9.0858    4.6859   10.0000</a:t>
+            </a:r>
+          </a:p>
+          <a:p>
+            <a:r>
+              <a:rPr lang="de-DE" dirty="0"/>
+              <a:t>2.5010    0.5195   10.0000    2.7803</a:t>
+            </a:r>
+          </a:p>
+          <a:p>
+            <a:r>
+              <a:rPr lang="de-DE" dirty="0"/>
+              <a:t>7.7704    9.0842    6.0278   10.0000</a:t>
+            </a:r>
+          </a:p>
+          <a:p>
+            <a:endParaRPr lang="de-DE" dirty="0"/>
+          </a:p>
+          <a:p>
+            <a:r>
+              <a:rPr lang="de-DE" dirty="0"/>
+              <a:t>MACHINES</a:t>
+            </a:r>
+          </a:p>
+          <a:p>
+            <a:r>
+              <a:rPr lang="de-DE" dirty="0"/>
+              <a:t>1     2     1     2</a:t>
+            </a:r>
+          </a:p>
+          <a:p>
+            <a:r>
+              <a:rPr lang="de-DE" dirty="0"/>
+              <a:t>3     3     2     1</a:t>
+            </a:r>
+          </a:p>
+          <a:p>
+            <a:r>
+              <a:rPr lang="de-DE" dirty="0"/>
+              <a:t>2     4     1     4</a:t>
+            </a:r>
+          </a:p>
+          <a:p>
+            <a:endParaRPr lang="de-DE" dirty="0"/>
+          </a:p>
+          <a:p>
+            <a:endParaRPr lang="de-DE" dirty="0"/>
+          </a:p>
+          <a:p>
+            <a:r>
+              <a:rPr lang="de-DE" dirty="0"/>
+              <a:t>Heuristic: </a:t>
+            </a:r>
+          </a:p>
+          <a:p>
+            <a:r>
+              <a:rPr lang="de-DE" dirty="0"/>
+              <a:t>Shortest Processing Time (SPT)</a:t>
+            </a:r>
+          </a:p>
+          <a:p>
+            <a:endParaRPr lang="de-DE" dirty="0"/>
+          </a:p>
+          <a:p>
+            <a:r>
+              <a:rPr lang="de-DE" dirty="0"/>
+              <a:t>Makespan: 37.5682</a:t>
+            </a:r>
+          </a:p>
+          <a:p>
+            <a:endParaRPr lang="de-DE" dirty="0"/>
+          </a:p>
+          <a:p>
+            <a:endParaRPr lang="de-DE" dirty="0"/>
+          </a:p>
+        </p:txBody>
+      </p:sp>
+      <p:sp>
+        <p:nvSpPr>
+          <p:cNvPr id="6" name="Rectangle 5">
+            <a:extLst>
+              <a:ext uri="{FF2B5EF4-FFF2-40B4-BE49-F238E27FC236}">
+                <a16:creationId xmlns:a16="http://schemas.microsoft.com/office/drawing/2014/main" id="{E55B10C1-BA75-421F-AB4A-AE291BDAF77C}"/>
+              </a:ext>
+            </a:extLst>
+          </p:cNvPr>
+          <p:cNvSpPr/>
+          <p:nvPr/>
+        </p:nvSpPr>
+        <p:spPr>
+          <a:xfrm>
+            <a:off x="5570620" y="-1010653"/>
+            <a:ext cx="914400" cy="914400"/>
+          </a:xfrm>
+          <a:prstGeom prst="rect">
+            <a:avLst/>
+          </a:prstGeom>
+          <a:solidFill>
+            <a:srgbClr val="FFC000"/>
+          </a:solidFill>
+        </p:spPr>
+        <p:style>
+          <a:lnRef idx="2">
+            <a:schemeClr val="accent1">
+              <a:shade val="50000"/>
+            </a:schemeClr>
+          </a:lnRef>
+          <a:fillRef idx="1">
+            <a:schemeClr val="accent1"/>
+          </a:fillRef>
+          <a:effectRef idx="0">
+            <a:schemeClr val="accent1"/>
+          </a:effectRef>
+          <a:fontRef idx="minor">
+            <a:schemeClr val="lt1"/>
+          </a:fontRef>
+        </p:style>
+        <p:txBody>
+          <a:bodyPr rtlCol="0" anchor="ctr"/>
+          <a:lstStyle/>
+          <a:p>
+            <a:pPr algn="ctr"/>
+            <a:r>
+              <a:rPr lang="es-419" dirty="0"/>
+              <a:t>J2</a:t>
+            </a:r>
+            <a:endParaRPr lang="en-US" dirty="0"/>
+          </a:p>
+        </p:txBody>
+      </p:sp>
+      <p:sp>
+        <p:nvSpPr>
+          <p:cNvPr id="8" name="Rectangle 7">
+            <a:extLst>
+              <a:ext uri="{FF2B5EF4-FFF2-40B4-BE49-F238E27FC236}">
+                <a16:creationId xmlns:a16="http://schemas.microsoft.com/office/drawing/2014/main" id="{FEFD8500-FBA5-4A07-8266-94D899F047F3}"/>
+              </a:ext>
+            </a:extLst>
+          </p:cNvPr>
+          <p:cNvSpPr/>
+          <p:nvPr/>
+        </p:nvSpPr>
+        <p:spPr>
+          <a:xfrm>
+            <a:off x="8987590" y="-1010653"/>
+            <a:ext cx="914400" cy="914400"/>
+          </a:xfrm>
+          <a:prstGeom prst="rect">
+            <a:avLst/>
+          </a:prstGeom>
+          <a:solidFill>
+            <a:srgbClr val="00B050"/>
+          </a:solidFill>
+        </p:spPr>
+        <p:style>
+          <a:lnRef idx="2">
+            <a:schemeClr val="accent1">
+              <a:shade val="50000"/>
+            </a:schemeClr>
+          </a:lnRef>
+          <a:fillRef idx="1">
+            <a:schemeClr val="accent1"/>
+          </a:fillRef>
+          <a:effectRef idx="0">
+            <a:schemeClr val="accent1"/>
+          </a:effectRef>
+          <a:fontRef idx="minor">
+            <a:schemeClr val="lt1"/>
+          </a:fontRef>
+        </p:style>
+        <p:txBody>
+          <a:bodyPr rtlCol="0" anchor="ctr"/>
+          <a:lstStyle/>
+          <a:p>
+            <a:pPr algn="ctr"/>
+            <a:r>
+              <a:rPr lang="es-419" dirty="0"/>
+              <a:t>J4</a:t>
+            </a:r>
+            <a:endParaRPr lang="en-US" dirty="0"/>
+          </a:p>
+        </p:txBody>
+      </p:sp>
+      <p:sp>
+        <p:nvSpPr>
+          <p:cNvPr id="9" name="Rectangle 8">
+            <a:extLst>
+              <a:ext uri="{FF2B5EF4-FFF2-40B4-BE49-F238E27FC236}">
+                <a16:creationId xmlns:a16="http://schemas.microsoft.com/office/drawing/2014/main" id="{521DAF4A-5711-47AE-850A-F86526E6EF75}"/>
+              </a:ext>
+            </a:extLst>
+          </p:cNvPr>
+          <p:cNvSpPr/>
+          <p:nvPr/>
+        </p:nvSpPr>
+        <p:spPr>
+          <a:xfrm>
+            <a:off x="10214811" y="-1010653"/>
+            <a:ext cx="914400" cy="914400"/>
+          </a:xfrm>
+          <a:prstGeom prst="rect">
+            <a:avLst/>
+          </a:prstGeom>
+          <a:solidFill>
+            <a:schemeClr val="accent3">
+              <a:lumMod val="60000"/>
+              <a:lumOff val="40000"/>
+            </a:schemeClr>
+          </a:solidFill>
+        </p:spPr>
+        <p:style>
+          <a:lnRef idx="2">
+            <a:schemeClr val="accent1">
+              <a:shade val="50000"/>
+            </a:schemeClr>
+          </a:lnRef>
+          <a:fillRef idx="1">
+            <a:schemeClr val="accent1"/>
+          </a:fillRef>
+          <a:effectRef idx="0">
+            <a:schemeClr val="accent1"/>
+          </a:effectRef>
+          <a:fontRef idx="minor">
+            <a:schemeClr val="lt1"/>
+          </a:fontRef>
+        </p:style>
+        <p:txBody>
+          <a:bodyPr rtlCol="0" anchor="ctr"/>
+          <a:lstStyle/>
+          <a:p>
+            <a:pPr algn="ctr"/>
+            <a:r>
+              <a:rPr lang="es-419" dirty="0"/>
+              <a:t>J5</a:t>
+            </a:r>
+            <a:endParaRPr lang="en-US" dirty="0"/>
+          </a:p>
+        </p:txBody>
+      </p:sp>
+      <p:sp>
+        <p:nvSpPr>
+          <p:cNvPr id="17" name="Rectangle 16">
+            <a:extLst>
+              <a:ext uri="{FF2B5EF4-FFF2-40B4-BE49-F238E27FC236}">
+                <a16:creationId xmlns:a16="http://schemas.microsoft.com/office/drawing/2014/main" id="{09C9F743-1511-4D1A-A797-F33A333213F7}"/>
+              </a:ext>
+            </a:extLst>
+          </p:cNvPr>
+          <p:cNvSpPr/>
+          <p:nvPr/>
+        </p:nvSpPr>
+        <p:spPr>
+          <a:xfrm>
+            <a:off x="4384949" y="-1010653"/>
+            <a:ext cx="914400" cy="914400"/>
+          </a:xfrm>
+          <a:prstGeom prst="rect">
+            <a:avLst/>
+          </a:prstGeom>
+        </p:spPr>
+        <p:style>
+          <a:lnRef idx="2">
+            <a:schemeClr val="accent1">
+              <a:shade val="50000"/>
+            </a:schemeClr>
+          </a:lnRef>
+          <a:fillRef idx="1">
+            <a:schemeClr val="accent1"/>
+          </a:fillRef>
+          <a:effectRef idx="0">
+            <a:schemeClr val="accent1"/>
+          </a:effectRef>
+          <a:fontRef idx="minor">
+            <a:schemeClr val="lt1"/>
+          </a:fontRef>
+        </p:style>
+        <p:txBody>
+          <a:bodyPr rtlCol="0" anchor="ctr"/>
+          <a:lstStyle/>
+          <a:p>
+            <a:pPr algn="ctr"/>
+            <a:r>
+              <a:rPr lang="es-419" dirty="0"/>
+              <a:t>J1</a:t>
+            </a:r>
+            <a:endParaRPr lang="en-US" dirty="0"/>
+          </a:p>
+        </p:txBody>
+      </p:sp>
+      <p:sp>
+        <p:nvSpPr>
+          <p:cNvPr id="25" name="Rectangle 24">
+            <a:extLst>
+              <a:ext uri="{FF2B5EF4-FFF2-40B4-BE49-F238E27FC236}">
+                <a16:creationId xmlns:a16="http://schemas.microsoft.com/office/drawing/2014/main" id="{98F85B07-156D-44EA-ABF6-B1308D53D611}"/>
+              </a:ext>
+            </a:extLst>
+          </p:cNvPr>
+          <p:cNvSpPr/>
+          <p:nvPr/>
+        </p:nvSpPr>
+        <p:spPr>
+          <a:xfrm>
+            <a:off x="6887519" y="-1010653"/>
+            <a:ext cx="914400" cy="914400"/>
+          </a:xfrm>
+          <a:prstGeom prst="rect">
+            <a:avLst/>
+          </a:prstGeom>
+          <a:solidFill>
+            <a:srgbClr val="FF0000"/>
+          </a:solidFill>
+        </p:spPr>
+        <p:style>
+          <a:lnRef idx="2">
+            <a:schemeClr val="accent1">
+              <a:shade val="50000"/>
+            </a:schemeClr>
+          </a:lnRef>
+          <a:fillRef idx="1">
+            <a:schemeClr val="accent1"/>
+          </a:fillRef>
+          <a:effectRef idx="0">
+            <a:schemeClr val="accent1"/>
+          </a:effectRef>
+          <a:fontRef idx="minor">
+            <a:schemeClr val="lt1"/>
+          </a:fontRef>
+        </p:style>
+        <p:txBody>
+          <a:bodyPr rtlCol="0" anchor="ctr"/>
+          <a:lstStyle/>
+          <a:p>
+            <a:pPr algn="ctr"/>
+            <a:r>
+              <a:rPr lang="es-419" dirty="0"/>
+              <a:t>J3</a:t>
+            </a:r>
+            <a:endParaRPr lang="en-US" dirty="0"/>
+          </a:p>
+        </p:txBody>
+      </p:sp>
+      <p:sp>
+        <p:nvSpPr>
+          <p:cNvPr id="12" name="TextBox 11">
+            <a:extLst>
+              <a:ext uri="{FF2B5EF4-FFF2-40B4-BE49-F238E27FC236}">
+                <a16:creationId xmlns:a16="http://schemas.microsoft.com/office/drawing/2014/main" id="{20821D4D-406F-41F4-94E2-FEDB353F7C4F}"/>
+              </a:ext>
+            </a:extLst>
+          </p:cNvPr>
+          <p:cNvSpPr txBox="1"/>
+          <p:nvPr/>
+        </p:nvSpPr>
+        <p:spPr>
+          <a:xfrm>
+            <a:off x="16810736" y="6730425"/>
+            <a:ext cx="1484702" cy="584775"/>
+          </a:xfrm>
+          <a:prstGeom prst="rect">
+            <a:avLst/>
+          </a:prstGeom>
+          <a:noFill/>
+        </p:spPr>
+        <p:txBody>
+          <a:bodyPr wrap="none" rtlCol="0">
+            <a:spAutoFit/>
+          </a:bodyPr>
+          <a:lstStyle/>
+          <a:p>
+            <a:pPr algn="r"/>
+            <a:r>
+              <a:rPr lang="es-419" sz="3200" b="1" dirty="0">
+                <a:latin typeface="Times New Roman" panose="02020603050405020304" pitchFamily="18" charset="0"/>
+                <a:cs typeface="Times New Roman" panose="02020603050405020304" pitchFamily="18" charset="0"/>
+              </a:rPr>
+              <a:t>GEN01</a:t>
+            </a:r>
+            <a:endParaRPr lang="en-US" sz="3200" b="1" dirty="0">
+              <a:latin typeface="Times New Roman" panose="02020603050405020304" pitchFamily="18" charset="0"/>
+              <a:cs typeface="Times New Roman" panose="02020603050405020304" pitchFamily="18" charset="0"/>
+            </a:endParaRPr>
+          </a:p>
+        </p:txBody>
+      </p:sp>
+    </p:spTree>
+    <p:extLst>
+      <p:ext uri="{BB962C8B-B14F-4D97-AF65-F5344CB8AC3E}">
+        <p14:creationId xmlns:p14="http://schemas.microsoft.com/office/powerpoint/2010/main" val="3408734643"/>
+      </p:ext>
+    </p:extLst>
+  </p:cSld>
+  <p:clrMapOvr>
+    <a:masterClrMapping/>
+  </p:clrMapOvr>
+</p:sld>
+</file>
+
+<file path=ppt/slides/slide24.xml><?xml version="1.0" encoding="utf-8"?>
+<p:sld xmlns:a="http://schemas.openxmlformats.org/drawingml/2006/main" xmlns:r="http://schemas.openxmlformats.org/officeDocument/2006/relationships" xmlns:p="http://schemas.openxmlformats.org/presentationml/2006/main">
+  <p:cSld>
+    <p:spTree>
+      <p:nvGrpSpPr>
+        <p:cNvPr id="1" name=""/>
+        <p:cNvGrpSpPr/>
+        <p:nvPr/>
+      </p:nvGrpSpPr>
+      <p:grpSpPr>
+        <a:xfrm>
+          <a:off x="0" y="0"/>
+          <a:ext cx="0" cy="0"/>
+          <a:chOff x="0" y="0"/>
+          <a:chExt cx="0" cy="0"/>
+        </a:xfrm>
+      </p:grpSpPr>
+      <p:pic>
+        <p:nvPicPr>
+          <p:cNvPr id="2" name="Picture 1">
+            <a:extLst>
+              <a:ext uri="{FF2B5EF4-FFF2-40B4-BE49-F238E27FC236}">
+                <a16:creationId xmlns:a16="http://schemas.microsoft.com/office/drawing/2014/main" id="{2A7CFD12-0A97-4FA4-AD7E-4D06B13F6603}"/>
+              </a:ext>
+            </a:extLst>
+          </p:cNvPr>
+          <p:cNvPicPr>
+            <a:picLocks noChangeAspect="1"/>
+          </p:cNvPicPr>
+          <p:nvPr/>
+        </p:nvPicPr>
+        <p:blipFill>
+          <a:blip r:embed="rId2"/>
+          <a:stretch>
+            <a:fillRect/>
+          </a:stretch>
+        </p:blipFill>
+        <p:spPr>
+          <a:xfrm>
+            <a:off x="4267200" y="0"/>
+            <a:ext cx="9753600" cy="7315200"/>
+          </a:xfrm>
+          <a:prstGeom prst="rect">
+            <a:avLst/>
+          </a:prstGeom>
+        </p:spPr>
+      </p:pic>
+      <p:sp>
+        <p:nvSpPr>
+          <p:cNvPr id="4" name="TextBox 3">
+            <a:extLst>
+              <a:ext uri="{FF2B5EF4-FFF2-40B4-BE49-F238E27FC236}">
+                <a16:creationId xmlns:a16="http://schemas.microsoft.com/office/drawing/2014/main" id="{AC9F781A-7D5E-4F89-B7FA-B2D77FA150B3}"/>
+              </a:ext>
+            </a:extLst>
+          </p:cNvPr>
+          <p:cNvSpPr txBox="1"/>
+          <p:nvPr/>
+        </p:nvSpPr>
+        <p:spPr>
+          <a:xfrm>
+            <a:off x="385011" y="397042"/>
+            <a:ext cx="3454792" cy="4801314"/>
+          </a:xfrm>
+          <a:prstGeom prst="rect">
+            <a:avLst/>
+          </a:prstGeom>
+          <a:noFill/>
+        </p:spPr>
+        <p:txBody>
+          <a:bodyPr wrap="none" rtlCol="0">
+            <a:spAutoFit/>
+          </a:bodyPr>
+          <a:lstStyle/>
+          <a:p>
+            <a:r>
+              <a:rPr lang="es-419" dirty="0"/>
+              <a:t>Processing Times:</a:t>
+            </a:r>
+          </a:p>
+          <a:p>
+            <a:r>
+              <a:rPr lang="de-DE" dirty="0"/>
+              <a:t>7.7673    9.0858    4.6859   10.0000</a:t>
+            </a:r>
+          </a:p>
+          <a:p>
+            <a:r>
+              <a:rPr lang="de-DE" dirty="0"/>
+              <a:t>2.5010    0.5195   10.0000    2.7803</a:t>
+            </a:r>
+          </a:p>
+          <a:p>
+            <a:r>
+              <a:rPr lang="de-DE" dirty="0"/>
+              <a:t>7.7704    9.0842    6.0278   10.0000</a:t>
+            </a:r>
+          </a:p>
+          <a:p>
+            <a:endParaRPr lang="de-DE" dirty="0"/>
+          </a:p>
+          <a:p>
+            <a:r>
+              <a:rPr lang="de-DE" dirty="0"/>
+              <a:t>MACHINES</a:t>
+            </a:r>
+          </a:p>
+          <a:p>
+            <a:r>
+              <a:rPr lang="de-DE" dirty="0"/>
+              <a:t>1     2     1     2</a:t>
+            </a:r>
+          </a:p>
+          <a:p>
+            <a:r>
+              <a:rPr lang="de-DE" dirty="0"/>
+              <a:t>3     3     2     1</a:t>
+            </a:r>
+          </a:p>
+          <a:p>
+            <a:r>
+              <a:rPr lang="de-DE" dirty="0"/>
+              <a:t>2     4     1     4</a:t>
+            </a:r>
+          </a:p>
+          <a:p>
+            <a:endParaRPr lang="de-DE" dirty="0"/>
+          </a:p>
+          <a:p>
+            <a:endParaRPr lang="de-DE" dirty="0"/>
+          </a:p>
+          <a:p>
+            <a:r>
+              <a:rPr lang="de-DE" dirty="0"/>
+              <a:t>Heuristic: </a:t>
+            </a:r>
+          </a:p>
+          <a:p>
+            <a:r>
+              <a:rPr lang="de-DE" dirty="0"/>
+              <a:t>Most Pending Activities (MPA)</a:t>
+            </a:r>
+          </a:p>
+          <a:p>
+            <a:endParaRPr lang="de-DE" dirty="0"/>
+          </a:p>
+          <a:p>
+            <a:r>
+              <a:rPr lang="de-DE" dirty="0"/>
+              <a:t>Makespan: 37.5699</a:t>
+            </a:r>
+          </a:p>
+          <a:p>
+            <a:endParaRPr lang="de-DE" dirty="0"/>
+          </a:p>
+          <a:p>
+            <a:endParaRPr lang="de-DE" dirty="0"/>
+          </a:p>
+        </p:txBody>
+      </p:sp>
+      <p:sp>
+        <p:nvSpPr>
+          <p:cNvPr id="6" name="Rectangle 5">
+            <a:extLst>
+              <a:ext uri="{FF2B5EF4-FFF2-40B4-BE49-F238E27FC236}">
+                <a16:creationId xmlns:a16="http://schemas.microsoft.com/office/drawing/2014/main" id="{E55B10C1-BA75-421F-AB4A-AE291BDAF77C}"/>
+              </a:ext>
+            </a:extLst>
+          </p:cNvPr>
+          <p:cNvSpPr/>
+          <p:nvPr/>
+        </p:nvSpPr>
+        <p:spPr>
+          <a:xfrm>
+            <a:off x="5570620" y="-1010653"/>
+            <a:ext cx="914400" cy="914400"/>
+          </a:xfrm>
+          <a:prstGeom prst="rect">
+            <a:avLst/>
+          </a:prstGeom>
+          <a:solidFill>
+            <a:srgbClr val="FFC000"/>
+          </a:solidFill>
+        </p:spPr>
+        <p:style>
+          <a:lnRef idx="2">
+            <a:schemeClr val="accent1">
+              <a:shade val="50000"/>
+            </a:schemeClr>
+          </a:lnRef>
+          <a:fillRef idx="1">
+            <a:schemeClr val="accent1"/>
+          </a:fillRef>
+          <a:effectRef idx="0">
+            <a:schemeClr val="accent1"/>
+          </a:effectRef>
+          <a:fontRef idx="minor">
+            <a:schemeClr val="lt1"/>
+          </a:fontRef>
+        </p:style>
+        <p:txBody>
+          <a:bodyPr rtlCol="0" anchor="ctr"/>
+          <a:lstStyle/>
+          <a:p>
+            <a:pPr algn="ctr"/>
+            <a:r>
+              <a:rPr lang="es-419" dirty="0"/>
+              <a:t>J2</a:t>
+            </a:r>
+            <a:endParaRPr lang="en-US" dirty="0"/>
+          </a:p>
+        </p:txBody>
+      </p:sp>
+      <p:sp>
+        <p:nvSpPr>
+          <p:cNvPr id="8" name="Rectangle 7">
+            <a:extLst>
+              <a:ext uri="{FF2B5EF4-FFF2-40B4-BE49-F238E27FC236}">
+                <a16:creationId xmlns:a16="http://schemas.microsoft.com/office/drawing/2014/main" id="{FEFD8500-FBA5-4A07-8266-94D899F047F3}"/>
+              </a:ext>
+            </a:extLst>
+          </p:cNvPr>
+          <p:cNvSpPr/>
+          <p:nvPr/>
+        </p:nvSpPr>
+        <p:spPr>
+          <a:xfrm>
+            <a:off x="8987590" y="-1010653"/>
+            <a:ext cx="914400" cy="914400"/>
+          </a:xfrm>
+          <a:prstGeom prst="rect">
+            <a:avLst/>
+          </a:prstGeom>
+          <a:solidFill>
+            <a:srgbClr val="00B050"/>
+          </a:solidFill>
+        </p:spPr>
+        <p:style>
+          <a:lnRef idx="2">
+            <a:schemeClr val="accent1">
+              <a:shade val="50000"/>
+            </a:schemeClr>
+          </a:lnRef>
+          <a:fillRef idx="1">
+            <a:schemeClr val="accent1"/>
+          </a:fillRef>
+          <a:effectRef idx="0">
+            <a:schemeClr val="accent1"/>
+          </a:effectRef>
+          <a:fontRef idx="minor">
+            <a:schemeClr val="lt1"/>
+          </a:fontRef>
+        </p:style>
+        <p:txBody>
+          <a:bodyPr rtlCol="0" anchor="ctr"/>
+          <a:lstStyle/>
+          <a:p>
+            <a:pPr algn="ctr"/>
+            <a:r>
+              <a:rPr lang="es-419" dirty="0"/>
+              <a:t>J4</a:t>
+            </a:r>
+            <a:endParaRPr lang="en-US" dirty="0"/>
+          </a:p>
+        </p:txBody>
+      </p:sp>
+      <p:sp>
+        <p:nvSpPr>
+          <p:cNvPr id="9" name="Rectangle 8">
+            <a:extLst>
+              <a:ext uri="{FF2B5EF4-FFF2-40B4-BE49-F238E27FC236}">
+                <a16:creationId xmlns:a16="http://schemas.microsoft.com/office/drawing/2014/main" id="{521DAF4A-5711-47AE-850A-F86526E6EF75}"/>
+              </a:ext>
+            </a:extLst>
+          </p:cNvPr>
+          <p:cNvSpPr/>
+          <p:nvPr/>
+        </p:nvSpPr>
+        <p:spPr>
+          <a:xfrm>
+            <a:off x="10214811" y="-1010653"/>
+            <a:ext cx="914400" cy="914400"/>
+          </a:xfrm>
+          <a:prstGeom prst="rect">
+            <a:avLst/>
+          </a:prstGeom>
+          <a:solidFill>
+            <a:schemeClr val="accent3">
+              <a:lumMod val="60000"/>
+              <a:lumOff val="40000"/>
+            </a:schemeClr>
+          </a:solidFill>
+        </p:spPr>
+        <p:style>
+          <a:lnRef idx="2">
+            <a:schemeClr val="accent1">
+              <a:shade val="50000"/>
+            </a:schemeClr>
+          </a:lnRef>
+          <a:fillRef idx="1">
+            <a:schemeClr val="accent1"/>
+          </a:fillRef>
+          <a:effectRef idx="0">
+            <a:schemeClr val="accent1"/>
+          </a:effectRef>
+          <a:fontRef idx="minor">
+            <a:schemeClr val="lt1"/>
+          </a:fontRef>
+        </p:style>
+        <p:txBody>
+          <a:bodyPr rtlCol="0" anchor="ctr"/>
+          <a:lstStyle/>
+          <a:p>
+            <a:pPr algn="ctr"/>
+            <a:r>
+              <a:rPr lang="es-419" dirty="0"/>
+              <a:t>J5</a:t>
+            </a:r>
+            <a:endParaRPr lang="en-US" dirty="0"/>
+          </a:p>
+        </p:txBody>
+      </p:sp>
+      <p:sp>
+        <p:nvSpPr>
+          <p:cNvPr id="17" name="Rectangle 16">
+            <a:extLst>
+              <a:ext uri="{FF2B5EF4-FFF2-40B4-BE49-F238E27FC236}">
+                <a16:creationId xmlns:a16="http://schemas.microsoft.com/office/drawing/2014/main" id="{09C9F743-1511-4D1A-A797-F33A333213F7}"/>
+              </a:ext>
+            </a:extLst>
+          </p:cNvPr>
+          <p:cNvSpPr/>
+          <p:nvPr/>
+        </p:nvSpPr>
+        <p:spPr>
+          <a:xfrm>
+            <a:off x="4384949" y="-1010653"/>
+            <a:ext cx="914400" cy="914400"/>
+          </a:xfrm>
+          <a:prstGeom prst="rect">
+            <a:avLst/>
+          </a:prstGeom>
+        </p:spPr>
+        <p:style>
+          <a:lnRef idx="2">
+            <a:schemeClr val="accent1">
+              <a:shade val="50000"/>
+            </a:schemeClr>
+          </a:lnRef>
+          <a:fillRef idx="1">
+            <a:schemeClr val="accent1"/>
+          </a:fillRef>
+          <a:effectRef idx="0">
+            <a:schemeClr val="accent1"/>
+          </a:effectRef>
+          <a:fontRef idx="minor">
+            <a:schemeClr val="lt1"/>
+          </a:fontRef>
+        </p:style>
+        <p:txBody>
+          <a:bodyPr rtlCol="0" anchor="ctr"/>
+          <a:lstStyle/>
+          <a:p>
+            <a:pPr algn="ctr"/>
+            <a:r>
+              <a:rPr lang="es-419" dirty="0"/>
+              <a:t>J1</a:t>
+            </a:r>
+            <a:endParaRPr lang="en-US" dirty="0"/>
+          </a:p>
+        </p:txBody>
+      </p:sp>
+      <p:sp>
+        <p:nvSpPr>
+          <p:cNvPr id="25" name="Rectangle 24">
+            <a:extLst>
+              <a:ext uri="{FF2B5EF4-FFF2-40B4-BE49-F238E27FC236}">
+                <a16:creationId xmlns:a16="http://schemas.microsoft.com/office/drawing/2014/main" id="{98F85B07-156D-44EA-ABF6-B1308D53D611}"/>
+              </a:ext>
+            </a:extLst>
+          </p:cNvPr>
+          <p:cNvSpPr/>
+          <p:nvPr/>
+        </p:nvSpPr>
+        <p:spPr>
+          <a:xfrm>
+            <a:off x="6887519" y="-1010653"/>
+            <a:ext cx="914400" cy="914400"/>
+          </a:xfrm>
+          <a:prstGeom prst="rect">
+            <a:avLst/>
+          </a:prstGeom>
+          <a:solidFill>
+            <a:srgbClr val="FF0000"/>
+          </a:solidFill>
+        </p:spPr>
+        <p:style>
+          <a:lnRef idx="2">
+            <a:schemeClr val="accent1">
+              <a:shade val="50000"/>
+            </a:schemeClr>
+          </a:lnRef>
+          <a:fillRef idx="1">
+            <a:schemeClr val="accent1"/>
+          </a:fillRef>
+          <a:effectRef idx="0">
+            <a:schemeClr val="accent1"/>
+          </a:effectRef>
+          <a:fontRef idx="minor">
+            <a:schemeClr val="lt1"/>
+          </a:fontRef>
+        </p:style>
+        <p:txBody>
+          <a:bodyPr rtlCol="0" anchor="ctr"/>
+          <a:lstStyle/>
+          <a:p>
+            <a:pPr algn="ctr"/>
+            <a:r>
+              <a:rPr lang="es-419" dirty="0"/>
+              <a:t>J3</a:t>
+            </a:r>
+            <a:endParaRPr lang="en-US" dirty="0"/>
+          </a:p>
+        </p:txBody>
+      </p:sp>
+      <p:sp>
+        <p:nvSpPr>
+          <p:cNvPr id="12" name="TextBox 11">
+            <a:extLst>
+              <a:ext uri="{FF2B5EF4-FFF2-40B4-BE49-F238E27FC236}">
+                <a16:creationId xmlns:a16="http://schemas.microsoft.com/office/drawing/2014/main" id="{597DF644-07BA-4782-B024-C2A12473F5A7}"/>
+              </a:ext>
+            </a:extLst>
+          </p:cNvPr>
+          <p:cNvSpPr txBox="1"/>
+          <p:nvPr/>
+        </p:nvSpPr>
+        <p:spPr>
+          <a:xfrm>
+            <a:off x="16810736" y="6730425"/>
+            <a:ext cx="1484702" cy="584775"/>
+          </a:xfrm>
+          <a:prstGeom prst="rect">
+            <a:avLst/>
+          </a:prstGeom>
+          <a:noFill/>
+        </p:spPr>
+        <p:txBody>
+          <a:bodyPr wrap="none" rtlCol="0">
+            <a:spAutoFit/>
+          </a:bodyPr>
+          <a:lstStyle/>
+          <a:p>
+            <a:pPr algn="r"/>
+            <a:r>
+              <a:rPr lang="es-419" sz="3200" b="1" dirty="0">
+                <a:latin typeface="Times New Roman" panose="02020603050405020304" pitchFamily="18" charset="0"/>
+                <a:cs typeface="Times New Roman" panose="02020603050405020304" pitchFamily="18" charset="0"/>
+              </a:rPr>
+              <a:t>GEN01</a:t>
+            </a:r>
+            <a:endParaRPr lang="en-US" sz="3200" b="1" dirty="0">
+              <a:latin typeface="Times New Roman" panose="02020603050405020304" pitchFamily="18" charset="0"/>
+              <a:cs typeface="Times New Roman" panose="02020603050405020304" pitchFamily="18" charset="0"/>
+            </a:endParaRPr>
+          </a:p>
+        </p:txBody>
+      </p:sp>
+    </p:spTree>
+    <p:extLst>
+      <p:ext uri="{BB962C8B-B14F-4D97-AF65-F5344CB8AC3E}">
+        <p14:creationId xmlns:p14="http://schemas.microsoft.com/office/powerpoint/2010/main" val="964100329"/>
+      </p:ext>
+    </p:extLst>
+  </p:cSld>
+  <p:clrMapOvr>
+    <a:masterClrMapping/>
+  </p:clrMapOvr>
+</p:sld>
+</file>
+
+<file path=ppt/slides/slide25.xml><?xml version="1.0" encoding="utf-8"?>
+<p:sld xmlns:a="http://schemas.openxmlformats.org/drawingml/2006/main" xmlns:r="http://schemas.openxmlformats.org/officeDocument/2006/relationships" xmlns:p="http://schemas.openxmlformats.org/presentationml/2006/main">
+  <p:cSld>
+    <p:spTree>
+      <p:nvGrpSpPr>
+        <p:cNvPr id="1" name=""/>
+        <p:cNvGrpSpPr/>
+        <p:nvPr/>
+      </p:nvGrpSpPr>
+      <p:grpSpPr>
+        <a:xfrm>
+          <a:off x="0" y="0"/>
+          <a:ext cx="0" cy="0"/>
+          <a:chOff x="0" y="0"/>
+          <a:chExt cx="0" cy="0"/>
+        </a:xfrm>
+      </p:grpSpPr>
+      <p:pic>
+        <p:nvPicPr>
+          <p:cNvPr id="2" name="Picture 1">
+            <a:extLst>
+              <a:ext uri="{FF2B5EF4-FFF2-40B4-BE49-F238E27FC236}">
+                <a16:creationId xmlns:a16="http://schemas.microsoft.com/office/drawing/2014/main" id="{4CC038C3-41F3-4E88-9B4B-1FB0FEBCBB32}"/>
+              </a:ext>
+            </a:extLst>
+          </p:cNvPr>
+          <p:cNvPicPr>
+            <a:picLocks noChangeAspect="1"/>
+          </p:cNvPicPr>
+          <p:nvPr/>
+        </p:nvPicPr>
+        <p:blipFill>
+          <a:blip r:embed="rId2"/>
+          <a:stretch>
+            <a:fillRect/>
+          </a:stretch>
+        </p:blipFill>
+        <p:spPr>
+          <a:xfrm>
+            <a:off x="4267200" y="0"/>
+            <a:ext cx="9753600" cy="7315200"/>
+          </a:xfrm>
+          <a:prstGeom prst="rect">
+            <a:avLst/>
+          </a:prstGeom>
+        </p:spPr>
+      </p:pic>
+      <p:sp>
+        <p:nvSpPr>
+          <p:cNvPr id="4" name="TextBox 3">
+            <a:extLst>
+              <a:ext uri="{FF2B5EF4-FFF2-40B4-BE49-F238E27FC236}">
+                <a16:creationId xmlns:a16="http://schemas.microsoft.com/office/drawing/2014/main" id="{AC9F781A-7D5E-4F89-B7FA-B2D77FA150B3}"/>
+              </a:ext>
+            </a:extLst>
+          </p:cNvPr>
+          <p:cNvSpPr txBox="1"/>
+          <p:nvPr/>
+        </p:nvSpPr>
+        <p:spPr>
+          <a:xfrm>
+            <a:off x="385011" y="397042"/>
+            <a:ext cx="3454792" cy="4801314"/>
+          </a:xfrm>
+          <a:prstGeom prst="rect">
+            <a:avLst/>
+          </a:prstGeom>
+          <a:noFill/>
+        </p:spPr>
+        <p:txBody>
+          <a:bodyPr wrap="none" rtlCol="0">
+            <a:spAutoFit/>
+          </a:bodyPr>
+          <a:lstStyle/>
+          <a:p>
+            <a:r>
+              <a:rPr lang="es-419" dirty="0"/>
+              <a:t>Processing Times:</a:t>
+            </a:r>
+          </a:p>
+          <a:p>
+            <a:r>
+              <a:rPr lang="de-DE" dirty="0"/>
+              <a:t>7.7673    9.0858    4.6859   10.0000</a:t>
+            </a:r>
+          </a:p>
+          <a:p>
+            <a:r>
+              <a:rPr lang="de-DE" dirty="0"/>
+              <a:t>2.5010    0.5195   10.0000    2.7803</a:t>
+            </a:r>
+          </a:p>
+          <a:p>
+            <a:r>
+              <a:rPr lang="de-DE" dirty="0"/>
+              <a:t>7.7704    9.0842    6.0278   10.0000</a:t>
+            </a:r>
+          </a:p>
+          <a:p>
+            <a:endParaRPr lang="de-DE" dirty="0"/>
+          </a:p>
+          <a:p>
+            <a:r>
+              <a:rPr lang="de-DE" dirty="0"/>
+              <a:t>MACHINES</a:t>
+            </a:r>
+          </a:p>
+          <a:p>
+            <a:r>
+              <a:rPr lang="de-DE" dirty="0"/>
+              <a:t>1     2     1     2</a:t>
+            </a:r>
+          </a:p>
+          <a:p>
+            <a:r>
+              <a:rPr lang="de-DE" dirty="0"/>
+              <a:t>3     3     2     1</a:t>
+            </a:r>
+          </a:p>
+          <a:p>
+            <a:r>
+              <a:rPr lang="de-DE" dirty="0"/>
+              <a:t>2     4     1     4</a:t>
+            </a:r>
+          </a:p>
+          <a:p>
+            <a:endParaRPr lang="de-DE" dirty="0"/>
+          </a:p>
+          <a:p>
+            <a:endParaRPr lang="de-DE" dirty="0"/>
+          </a:p>
+          <a:p>
+            <a:r>
+              <a:rPr lang="de-DE" dirty="0"/>
+              <a:t>Heuristic: </a:t>
+            </a:r>
+          </a:p>
+          <a:p>
+            <a:r>
+              <a:rPr lang="de-DE" dirty="0"/>
+              <a:t>Least Pending Activities (LPA)</a:t>
+            </a:r>
+          </a:p>
+          <a:p>
+            <a:endParaRPr lang="de-DE" dirty="0"/>
+          </a:p>
+          <a:p>
+            <a:r>
+              <a:rPr lang="de-DE" dirty="0"/>
+              <a:t>Makespan: 74.4213</a:t>
+            </a:r>
+          </a:p>
+          <a:p>
+            <a:endParaRPr lang="de-DE" dirty="0"/>
+          </a:p>
+          <a:p>
+            <a:endParaRPr lang="de-DE" dirty="0"/>
+          </a:p>
+        </p:txBody>
+      </p:sp>
+      <p:sp>
+        <p:nvSpPr>
+          <p:cNvPr id="6" name="Rectangle 5">
+            <a:extLst>
+              <a:ext uri="{FF2B5EF4-FFF2-40B4-BE49-F238E27FC236}">
+                <a16:creationId xmlns:a16="http://schemas.microsoft.com/office/drawing/2014/main" id="{E55B10C1-BA75-421F-AB4A-AE291BDAF77C}"/>
+              </a:ext>
+            </a:extLst>
+          </p:cNvPr>
+          <p:cNvSpPr/>
+          <p:nvPr/>
+        </p:nvSpPr>
+        <p:spPr>
+          <a:xfrm>
+            <a:off x="5570620" y="-1010653"/>
+            <a:ext cx="914400" cy="914400"/>
+          </a:xfrm>
+          <a:prstGeom prst="rect">
+            <a:avLst/>
+          </a:prstGeom>
+          <a:solidFill>
+            <a:srgbClr val="FFC000"/>
+          </a:solidFill>
+        </p:spPr>
+        <p:style>
+          <a:lnRef idx="2">
+            <a:schemeClr val="accent1">
+              <a:shade val="50000"/>
+            </a:schemeClr>
+          </a:lnRef>
+          <a:fillRef idx="1">
+            <a:schemeClr val="accent1"/>
+          </a:fillRef>
+          <a:effectRef idx="0">
+            <a:schemeClr val="accent1"/>
+          </a:effectRef>
+          <a:fontRef idx="minor">
+            <a:schemeClr val="lt1"/>
+          </a:fontRef>
+        </p:style>
+        <p:txBody>
+          <a:bodyPr rtlCol="0" anchor="ctr"/>
+          <a:lstStyle/>
+          <a:p>
+            <a:pPr algn="ctr"/>
+            <a:r>
+              <a:rPr lang="es-419" dirty="0"/>
+              <a:t>J2</a:t>
+            </a:r>
+            <a:endParaRPr lang="en-US" dirty="0"/>
+          </a:p>
+        </p:txBody>
+      </p:sp>
+      <p:sp>
+        <p:nvSpPr>
+          <p:cNvPr id="8" name="Rectangle 7">
+            <a:extLst>
+              <a:ext uri="{FF2B5EF4-FFF2-40B4-BE49-F238E27FC236}">
+                <a16:creationId xmlns:a16="http://schemas.microsoft.com/office/drawing/2014/main" id="{FEFD8500-FBA5-4A07-8266-94D899F047F3}"/>
+              </a:ext>
+            </a:extLst>
+          </p:cNvPr>
+          <p:cNvSpPr/>
+          <p:nvPr/>
+        </p:nvSpPr>
+        <p:spPr>
+          <a:xfrm>
+            <a:off x="8987590" y="-1010653"/>
+            <a:ext cx="914400" cy="914400"/>
+          </a:xfrm>
+          <a:prstGeom prst="rect">
+            <a:avLst/>
+          </a:prstGeom>
+          <a:solidFill>
+            <a:srgbClr val="00B050"/>
+          </a:solidFill>
+        </p:spPr>
+        <p:style>
+          <a:lnRef idx="2">
+            <a:schemeClr val="accent1">
+              <a:shade val="50000"/>
+            </a:schemeClr>
+          </a:lnRef>
+          <a:fillRef idx="1">
+            <a:schemeClr val="accent1"/>
+          </a:fillRef>
+          <a:effectRef idx="0">
+            <a:schemeClr val="accent1"/>
+          </a:effectRef>
+          <a:fontRef idx="minor">
+            <a:schemeClr val="lt1"/>
+          </a:fontRef>
+        </p:style>
+        <p:txBody>
+          <a:bodyPr rtlCol="0" anchor="ctr"/>
+          <a:lstStyle/>
+          <a:p>
+            <a:pPr algn="ctr"/>
+            <a:r>
+              <a:rPr lang="es-419" dirty="0"/>
+              <a:t>J4</a:t>
+            </a:r>
+            <a:endParaRPr lang="en-US" dirty="0"/>
+          </a:p>
+        </p:txBody>
+      </p:sp>
+      <p:sp>
+        <p:nvSpPr>
+          <p:cNvPr id="9" name="Rectangle 8">
+            <a:extLst>
+              <a:ext uri="{FF2B5EF4-FFF2-40B4-BE49-F238E27FC236}">
+                <a16:creationId xmlns:a16="http://schemas.microsoft.com/office/drawing/2014/main" id="{521DAF4A-5711-47AE-850A-F86526E6EF75}"/>
+              </a:ext>
+            </a:extLst>
+          </p:cNvPr>
+          <p:cNvSpPr/>
+          <p:nvPr/>
+        </p:nvSpPr>
+        <p:spPr>
+          <a:xfrm>
+            <a:off x="10214811" y="-1010653"/>
+            <a:ext cx="914400" cy="914400"/>
+          </a:xfrm>
+          <a:prstGeom prst="rect">
+            <a:avLst/>
+          </a:prstGeom>
+          <a:solidFill>
+            <a:schemeClr val="accent3">
+              <a:lumMod val="60000"/>
+              <a:lumOff val="40000"/>
+            </a:schemeClr>
+          </a:solidFill>
+        </p:spPr>
+        <p:style>
+          <a:lnRef idx="2">
+            <a:schemeClr val="accent1">
+              <a:shade val="50000"/>
+            </a:schemeClr>
+          </a:lnRef>
+          <a:fillRef idx="1">
+            <a:schemeClr val="accent1"/>
+          </a:fillRef>
+          <a:effectRef idx="0">
+            <a:schemeClr val="accent1"/>
+          </a:effectRef>
+          <a:fontRef idx="minor">
+            <a:schemeClr val="lt1"/>
+          </a:fontRef>
+        </p:style>
+        <p:txBody>
+          <a:bodyPr rtlCol="0" anchor="ctr"/>
+          <a:lstStyle/>
+          <a:p>
+            <a:pPr algn="ctr"/>
+            <a:r>
+              <a:rPr lang="es-419" dirty="0"/>
+              <a:t>J5</a:t>
+            </a:r>
+            <a:endParaRPr lang="en-US" dirty="0"/>
+          </a:p>
+        </p:txBody>
+      </p:sp>
+      <p:sp>
+        <p:nvSpPr>
+          <p:cNvPr id="17" name="Rectangle 16">
+            <a:extLst>
+              <a:ext uri="{FF2B5EF4-FFF2-40B4-BE49-F238E27FC236}">
+                <a16:creationId xmlns:a16="http://schemas.microsoft.com/office/drawing/2014/main" id="{09C9F743-1511-4D1A-A797-F33A333213F7}"/>
+              </a:ext>
+            </a:extLst>
+          </p:cNvPr>
+          <p:cNvSpPr/>
+          <p:nvPr/>
+        </p:nvSpPr>
+        <p:spPr>
+          <a:xfrm>
+            <a:off x="4384949" y="-1010653"/>
+            <a:ext cx="914400" cy="914400"/>
+          </a:xfrm>
+          <a:prstGeom prst="rect">
+            <a:avLst/>
+          </a:prstGeom>
+        </p:spPr>
+        <p:style>
+          <a:lnRef idx="2">
+            <a:schemeClr val="accent1">
+              <a:shade val="50000"/>
+            </a:schemeClr>
+          </a:lnRef>
+          <a:fillRef idx="1">
+            <a:schemeClr val="accent1"/>
+          </a:fillRef>
+          <a:effectRef idx="0">
+            <a:schemeClr val="accent1"/>
+          </a:effectRef>
+          <a:fontRef idx="minor">
+            <a:schemeClr val="lt1"/>
+          </a:fontRef>
+        </p:style>
+        <p:txBody>
+          <a:bodyPr rtlCol="0" anchor="ctr"/>
+          <a:lstStyle/>
+          <a:p>
+            <a:pPr algn="ctr"/>
+            <a:r>
+              <a:rPr lang="es-419" dirty="0"/>
+              <a:t>J1</a:t>
+            </a:r>
+            <a:endParaRPr lang="en-US" dirty="0"/>
+          </a:p>
+        </p:txBody>
+      </p:sp>
+      <p:sp>
+        <p:nvSpPr>
+          <p:cNvPr id="25" name="Rectangle 24">
+            <a:extLst>
+              <a:ext uri="{FF2B5EF4-FFF2-40B4-BE49-F238E27FC236}">
+                <a16:creationId xmlns:a16="http://schemas.microsoft.com/office/drawing/2014/main" id="{98F85B07-156D-44EA-ABF6-B1308D53D611}"/>
+              </a:ext>
+            </a:extLst>
+          </p:cNvPr>
+          <p:cNvSpPr/>
+          <p:nvPr/>
+        </p:nvSpPr>
+        <p:spPr>
+          <a:xfrm>
+            <a:off x="6887519" y="-1010653"/>
+            <a:ext cx="914400" cy="914400"/>
+          </a:xfrm>
+          <a:prstGeom prst="rect">
+            <a:avLst/>
+          </a:prstGeom>
+          <a:solidFill>
+            <a:srgbClr val="FF0000"/>
+          </a:solidFill>
+        </p:spPr>
+        <p:style>
+          <a:lnRef idx="2">
+            <a:schemeClr val="accent1">
+              <a:shade val="50000"/>
+            </a:schemeClr>
+          </a:lnRef>
+          <a:fillRef idx="1">
+            <a:schemeClr val="accent1"/>
+          </a:fillRef>
+          <a:effectRef idx="0">
+            <a:schemeClr val="accent1"/>
+          </a:effectRef>
+          <a:fontRef idx="minor">
+            <a:schemeClr val="lt1"/>
+          </a:fontRef>
+        </p:style>
+        <p:txBody>
+          <a:bodyPr rtlCol="0" anchor="ctr"/>
+          <a:lstStyle/>
+          <a:p>
+            <a:pPr algn="ctr"/>
+            <a:r>
+              <a:rPr lang="es-419" dirty="0"/>
+              <a:t>J3</a:t>
+            </a:r>
+            <a:endParaRPr lang="en-US" dirty="0"/>
+          </a:p>
+        </p:txBody>
+      </p:sp>
+      <p:sp>
+        <p:nvSpPr>
+          <p:cNvPr id="12" name="TextBox 11">
+            <a:extLst>
+              <a:ext uri="{FF2B5EF4-FFF2-40B4-BE49-F238E27FC236}">
+                <a16:creationId xmlns:a16="http://schemas.microsoft.com/office/drawing/2014/main" id="{1A4B2088-FE10-498A-8473-22709F3EECCF}"/>
+              </a:ext>
+            </a:extLst>
+          </p:cNvPr>
+          <p:cNvSpPr txBox="1"/>
+          <p:nvPr/>
+        </p:nvSpPr>
+        <p:spPr>
+          <a:xfrm>
+            <a:off x="16810736" y="6730425"/>
+            <a:ext cx="1484702" cy="584775"/>
+          </a:xfrm>
+          <a:prstGeom prst="rect">
+            <a:avLst/>
+          </a:prstGeom>
+          <a:noFill/>
+        </p:spPr>
+        <p:txBody>
+          <a:bodyPr wrap="none" rtlCol="0">
+            <a:spAutoFit/>
+          </a:bodyPr>
+          <a:lstStyle/>
+          <a:p>
+            <a:pPr algn="r"/>
+            <a:r>
+              <a:rPr lang="es-419" sz="3200" b="1" dirty="0">
+                <a:latin typeface="Times New Roman" panose="02020603050405020304" pitchFamily="18" charset="0"/>
+                <a:cs typeface="Times New Roman" panose="02020603050405020304" pitchFamily="18" charset="0"/>
+              </a:rPr>
+              <a:t>GEN01</a:t>
+            </a:r>
+            <a:endParaRPr lang="en-US" sz="3200" b="1" dirty="0">
+              <a:latin typeface="Times New Roman" panose="02020603050405020304" pitchFamily="18" charset="0"/>
+              <a:cs typeface="Times New Roman" panose="02020603050405020304" pitchFamily="18" charset="0"/>
+            </a:endParaRPr>
+          </a:p>
+        </p:txBody>
+      </p:sp>
+    </p:spTree>
+    <p:extLst>
+      <p:ext uri="{BB962C8B-B14F-4D97-AF65-F5344CB8AC3E}">
+        <p14:creationId xmlns:p14="http://schemas.microsoft.com/office/powerpoint/2010/main" val="3010790624"/>
+      </p:ext>
+    </p:extLst>
+  </p:cSld>
+  <p:clrMapOvr>
+    <a:masterClrMapping/>
+  </p:clrMapOvr>
+</p:sld>
+</file>
+
+<file path=ppt/slides/slide26.xml><?xml version="1.0" encoding="utf-8"?>
+<p:sld xmlns:a="http://schemas.openxmlformats.org/drawingml/2006/main" xmlns:r="http://schemas.openxmlformats.org/officeDocument/2006/relationships" xmlns:p="http://schemas.openxmlformats.org/presentationml/2006/main">
+  <p:cSld>
+    <p:spTree>
+      <p:nvGrpSpPr>
+        <p:cNvPr id="1" name=""/>
+        <p:cNvGrpSpPr/>
+        <p:nvPr/>
+      </p:nvGrpSpPr>
+      <p:grpSpPr>
+        <a:xfrm>
+          <a:off x="0" y="0"/>
+          <a:ext cx="0" cy="0"/>
+          <a:chOff x="0" y="0"/>
+          <a:chExt cx="0" cy="0"/>
+        </a:xfrm>
+      </p:grpSpPr>
+      <p:sp>
+        <p:nvSpPr>
+          <p:cNvPr id="27" name="Title 26">
+            <a:extLst>
+              <a:ext uri="{FF2B5EF4-FFF2-40B4-BE49-F238E27FC236}">
+                <a16:creationId xmlns:a16="http://schemas.microsoft.com/office/drawing/2014/main" id="{DF086175-8F1D-4616-BC43-12B2882CB6CD}"/>
+              </a:ext>
+            </a:extLst>
+          </p:cNvPr>
+          <p:cNvSpPr>
+            <a:spLocks noGrp="1"/>
+          </p:cNvSpPr>
+          <p:nvPr>
+            <p:ph type="ctrTitle"/>
+          </p:nvPr>
+        </p:nvSpPr>
+        <p:spPr/>
+        <p:txBody>
+          <a:bodyPr>
+            <a:normAutofit/>
+          </a:bodyPr>
+          <a:lstStyle/>
+          <a:p>
+            <a:r>
+              <a:rPr lang="es-419" sz="8800" b="1" dirty="0">
+                <a:effectLst>
+                  <a:outerShdw blurRad="38100" dist="38100" dir="2700000" algn="tl">
+                    <a:srgbClr val="000000">
+                      <a:alpha val="43137"/>
+                    </a:srgbClr>
+                  </a:outerShdw>
+                </a:effectLst>
+                <a:latin typeface="Times New Roman" panose="02020603050405020304" pitchFamily="18" charset="0"/>
+                <a:cs typeface="Times New Roman" panose="02020603050405020304" pitchFamily="18" charset="0"/>
+              </a:rPr>
+              <a:t>GEN02</a:t>
+            </a:r>
+            <a:endParaRPr lang="en-US" sz="8800" b="1" dirty="0">
+              <a:effectLst>
+                <a:outerShdw blurRad="38100" dist="38100" dir="2700000" algn="tl">
+                  <a:srgbClr val="000000">
+                    <a:alpha val="43137"/>
+                  </a:srgbClr>
+                </a:outerShdw>
+              </a:effectLst>
+              <a:latin typeface="Times New Roman" panose="02020603050405020304" pitchFamily="18" charset="0"/>
+              <a:cs typeface="Times New Roman" panose="02020603050405020304" pitchFamily="18" charset="0"/>
+            </a:endParaRPr>
+          </a:p>
+        </p:txBody>
+      </p:sp>
+      <p:sp>
+        <p:nvSpPr>
+          <p:cNvPr id="28" name="Subtitle 27">
+            <a:extLst>
+              <a:ext uri="{FF2B5EF4-FFF2-40B4-BE49-F238E27FC236}">
+                <a16:creationId xmlns:a16="http://schemas.microsoft.com/office/drawing/2014/main" id="{A3BD9699-864C-49D1-9F28-3E081D59C001}"/>
+              </a:ext>
+            </a:extLst>
+          </p:cNvPr>
+          <p:cNvSpPr>
+            <a:spLocks noGrp="1"/>
+          </p:cNvSpPr>
+          <p:nvPr>
+            <p:ph type="subTitle" idx="1"/>
+          </p:nvPr>
+        </p:nvSpPr>
+        <p:spPr/>
+        <p:txBody>
+          <a:bodyPr/>
+          <a:lstStyle/>
+          <a:p>
+            <a:endParaRPr lang="en-US"/>
+          </a:p>
+        </p:txBody>
+      </p:sp>
+    </p:spTree>
+    <p:extLst>
+      <p:ext uri="{BB962C8B-B14F-4D97-AF65-F5344CB8AC3E}">
+        <p14:creationId xmlns:p14="http://schemas.microsoft.com/office/powerpoint/2010/main" val="498563197"/>
+      </p:ext>
+    </p:extLst>
+  </p:cSld>
+  <p:clrMapOvr>
+    <a:masterClrMapping/>
+  </p:clrMapOvr>
+</p:sld>
+</file>
+
+<file path=ppt/slides/slide27.xml><?xml version="1.0" encoding="utf-8"?>
+<p:sld xmlns:a="http://schemas.openxmlformats.org/drawingml/2006/main" xmlns:r="http://schemas.openxmlformats.org/officeDocument/2006/relationships" xmlns:p="http://schemas.openxmlformats.org/presentationml/2006/main">
+  <p:cSld>
+    <p:spTree>
+      <p:nvGrpSpPr>
+        <p:cNvPr id="1" name=""/>
+        <p:cNvGrpSpPr/>
+        <p:nvPr/>
+      </p:nvGrpSpPr>
+      <p:grpSpPr>
+        <a:xfrm>
+          <a:off x="0" y="0"/>
+          <a:ext cx="0" cy="0"/>
+          <a:chOff x="0" y="0"/>
+          <a:chExt cx="0" cy="0"/>
+        </a:xfrm>
+      </p:grpSpPr>
+      <p:pic>
+        <p:nvPicPr>
+          <p:cNvPr id="2" name="Picture 1">
+            <a:extLst>
+              <a:ext uri="{FF2B5EF4-FFF2-40B4-BE49-F238E27FC236}">
+                <a16:creationId xmlns:a16="http://schemas.microsoft.com/office/drawing/2014/main" id="{1366DB77-BC1B-4BE1-96D5-992C82ACAA39}"/>
+              </a:ext>
+            </a:extLst>
+          </p:cNvPr>
+          <p:cNvPicPr>
+            <a:picLocks noChangeAspect="1"/>
+          </p:cNvPicPr>
+          <p:nvPr/>
+        </p:nvPicPr>
+        <p:blipFill>
+          <a:blip r:embed="rId2"/>
+          <a:stretch>
+            <a:fillRect/>
+          </a:stretch>
+        </p:blipFill>
+        <p:spPr>
+          <a:xfrm>
+            <a:off x="4267200" y="0"/>
+            <a:ext cx="9753600" cy="7315200"/>
+          </a:xfrm>
+          <a:prstGeom prst="rect">
+            <a:avLst/>
+          </a:prstGeom>
+        </p:spPr>
+      </p:pic>
+      <p:sp>
+        <p:nvSpPr>
+          <p:cNvPr id="4" name="TextBox 3">
+            <a:extLst>
+              <a:ext uri="{FF2B5EF4-FFF2-40B4-BE49-F238E27FC236}">
+                <a16:creationId xmlns:a16="http://schemas.microsoft.com/office/drawing/2014/main" id="{AC9F781A-7D5E-4F89-B7FA-B2D77FA150B3}"/>
+              </a:ext>
+            </a:extLst>
+          </p:cNvPr>
+          <p:cNvSpPr txBox="1"/>
+          <p:nvPr/>
+        </p:nvSpPr>
+        <p:spPr>
+          <a:xfrm>
+            <a:off x="385011" y="397042"/>
+            <a:ext cx="3635932" cy="4524315"/>
+          </a:xfrm>
+          <a:prstGeom prst="rect">
+            <a:avLst/>
+          </a:prstGeom>
+          <a:noFill/>
+        </p:spPr>
+        <p:txBody>
+          <a:bodyPr wrap="none" rtlCol="0">
+            <a:spAutoFit/>
+          </a:bodyPr>
+          <a:lstStyle/>
+          <a:p>
+            <a:r>
+              <a:rPr lang="es-419" dirty="0"/>
+              <a:t>Processing Times:</a:t>
+            </a:r>
+          </a:p>
+          <a:p>
+            <a:r>
+              <a:rPr lang="de-DE" dirty="0"/>
+              <a:t>0.0000   10.0000   10.0000   10.0000</a:t>
+            </a:r>
+          </a:p>
+          <a:p>
+            <a:r>
+              <a:rPr lang="de-DE" dirty="0"/>
+              <a:t>0.0001   10.0000    1.1595    5.4081</a:t>
+            </a:r>
+          </a:p>
+          <a:p>
+            <a:r>
+              <a:rPr lang="de-DE" dirty="0"/>
+              <a:t>10.0000   10.0000    9.9999   10.0000</a:t>
+            </a:r>
+          </a:p>
+          <a:p>
+            <a:endParaRPr lang="de-DE" dirty="0"/>
+          </a:p>
+          <a:p>
+            <a:r>
+              <a:rPr lang="de-DE" dirty="0"/>
+              <a:t>MACHINES</a:t>
+            </a:r>
+          </a:p>
+          <a:p>
+            <a:r>
+              <a:rPr lang="de-DE" dirty="0"/>
+              <a:t>2     3     3     1</a:t>
+            </a:r>
+          </a:p>
+          <a:p>
+            <a:r>
+              <a:rPr lang="de-DE" dirty="0"/>
+              <a:t>2     3     4     1</a:t>
+            </a:r>
+          </a:p>
+          <a:p>
+            <a:r>
+              <a:rPr lang="de-DE" dirty="0"/>
+              <a:t>2     2     2     3</a:t>
+            </a:r>
+          </a:p>
+          <a:p>
+            <a:endParaRPr lang="de-DE" dirty="0"/>
+          </a:p>
+          <a:p>
+            <a:r>
+              <a:rPr lang="de-DE" dirty="0"/>
+              <a:t>Heuristic: </a:t>
+            </a:r>
+          </a:p>
+          <a:p>
+            <a:r>
+              <a:rPr lang="de-DE" dirty="0"/>
+              <a:t>Largest Processing Time (LPT)</a:t>
+            </a:r>
+          </a:p>
+          <a:p>
+            <a:endParaRPr lang="de-DE" dirty="0"/>
+          </a:p>
+          <a:p>
+            <a:r>
+              <a:rPr lang="de-DE" dirty="0"/>
+              <a:t>Makespan: 79.9999</a:t>
+            </a:r>
+          </a:p>
+          <a:p>
+            <a:endParaRPr lang="de-DE" dirty="0"/>
+          </a:p>
+          <a:p>
+            <a:endParaRPr lang="de-DE" dirty="0"/>
+          </a:p>
+        </p:txBody>
+      </p:sp>
+      <p:sp>
+        <p:nvSpPr>
+          <p:cNvPr id="6" name="Rectangle 5">
+            <a:extLst>
+              <a:ext uri="{FF2B5EF4-FFF2-40B4-BE49-F238E27FC236}">
+                <a16:creationId xmlns:a16="http://schemas.microsoft.com/office/drawing/2014/main" id="{E55B10C1-BA75-421F-AB4A-AE291BDAF77C}"/>
+              </a:ext>
+            </a:extLst>
+          </p:cNvPr>
+          <p:cNvSpPr/>
+          <p:nvPr/>
+        </p:nvSpPr>
+        <p:spPr>
+          <a:xfrm>
+            <a:off x="5570620" y="-1010653"/>
+            <a:ext cx="914400" cy="914400"/>
+          </a:xfrm>
+          <a:prstGeom prst="rect">
+            <a:avLst/>
+          </a:prstGeom>
+          <a:solidFill>
+            <a:srgbClr val="FFC000"/>
+          </a:solidFill>
+        </p:spPr>
+        <p:style>
+          <a:lnRef idx="2">
+            <a:schemeClr val="accent1">
+              <a:shade val="50000"/>
+            </a:schemeClr>
+          </a:lnRef>
+          <a:fillRef idx="1">
+            <a:schemeClr val="accent1"/>
+          </a:fillRef>
+          <a:effectRef idx="0">
+            <a:schemeClr val="accent1"/>
+          </a:effectRef>
+          <a:fontRef idx="minor">
+            <a:schemeClr val="lt1"/>
+          </a:fontRef>
+        </p:style>
+        <p:txBody>
+          <a:bodyPr rtlCol="0" anchor="ctr"/>
+          <a:lstStyle/>
+          <a:p>
+            <a:pPr algn="ctr"/>
+            <a:r>
+              <a:rPr lang="es-419" dirty="0"/>
+              <a:t>J2</a:t>
+            </a:r>
+            <a:endParaRPr lang="en-US" dirty="0"/>
+          </a:p>
+        </p:txBody>
+      </p:sp>
+      <p:sp>
+        <p:nvSpPr>
+          <p:cNvPr id="8" name="Rectangle 7">
+            <a:extLst>
+              <a:ext uri="{FF2B5EF4-FFF2-40B4-BE49-F238E27FC236}">
+                <a16:creationId xmlns:a16="http://schemas.microsoft.com/office/drawing/2014/main" id="{FEFD8500-FBA5-4A07-8266-94D899F047F3}"/>
+              </a:ext>
+            </a:extLst>
+          </p:cNvPr>
+          <p:cNvSpPr/>
+          <p:nvPr/>
+        </p:nvSpPr>
+        <p:spPr>
+          <a:xfrm>
+            <a:off x="8987590" y="-1010653"/>
+            <a:ext cx="914400" cy="914400"/>
+          </a:xfrm>
+          <a:prstGeom prst="rect">
+            <a:avLst/>
+          </a:prstGeom>
+          <a:solidFill>
+            <a:srgbClr val="00B050"/>
+          </a:solidFill>
+        </p:spPr>
+        <p:style>
+          <a:lnRef idx="2">
+            <a:schemeClr val="accent1">
+              <a:shade val="50000"/>
+            </a:schemeClr>
+          </a:lnRef>
+          <a:fillRef idx="1">
+            <a:schemeClr val="accent1"/>
+          </a:fillRef>
+          <a:effectRef idx="0">
+            <a:schemeClr val="accent1"/>
+          </a:effectRef>
+          <a:fontRef idx="minor">
+            <a:schemeClr val="lt1"/>
+          </a:fontRef>
+        </p:style>
+        <p:txBody>
+          <a:bodyPr rtlCol="0" anchor="ctr"/>
+          <a:lstStyle/>
+          <a:p>
+            <a:pPr algn="ctr"/>
+            <a:r>
+              <a:rPr lang="es-419" dirty="0"/>
+              <a:t>J4</a:t>
+            </a:r>
+            <a:endParaRPr lang="en-US" dirty="0"/>
+          </a:p>
+        </p:txBody>
+      </p:sp>
+      <p:sp>
+        <p:nvSpPr>
+          <p:cNvPr id="9" name="Rectangle 8">
+            <a:extLst>
+              <a:ext uri="{FF2B5EF4-FFF2-40B4-BE49-F238E27FC236}">
+                <a16:creationId xmlns:a16="http://schemas.microsoft.com/office/drawing/2014/main" id="{521DAF4A-5711-47AE-850A-F86526E6EF75}"/>
+              </a:ext>
+            </a:extLst>
+          </p:cNvPr>
+          <p:cNvSpPr/>
+          <p:nvPr/>
+        </p:nvSpPr>
+        <p:spPr>
+          <a:xfrm>
+            <a:off x="10214811" y="-1010653"/>
+            <a:ext cx="914400" cy="914400"/>
+          </a:xfrm>
+          <a:prstGeom prst="rect">
+            <a:avLst/>
+          </a:prstGeom>
+          <a:solidFill>
+            <a:schemeClr val="accent3">
+              <a:lumMod val="60000"/>
+              <a:lumOff val="40000"/>
+            </a:schemeClr>
+          </a:solidFill>
+        </p:spPr>
+        <p:style>
+          <a:lnRef idx="2">
+            <a:schemeClr val="accent1">
+              <a:shade val="50000"/>
+            </a:schemeClr>
+          </a:lnRef>
+          <a:fillRef idx="1">
+            <a:schemeClr val="accent1"/>
+          </a:fillRef>
+          <a:effectRef idx="0">
+            <a:schemeClr val="accent1"/>
+          </a:effectRef>
+          <a:fontRef idx="minor">
+            <a:schemeClr val="lt1"/>
+          </a:fontRef>
+        </p:style>
+        <p:txBody>
+          <a:bodyPr rtlCol="0" anchor="ctr"/>
+          <a:lstStyle/>
+          <a:p>
+            <a:pPr algn="ctr"/>
+            <a:r>
+              <a:rPr lang="es-419" dirty="0"/>
+              <a:t>J5</a:t>
+            </a:r>
+            <a:endParaRPr lang="en-US" dirty="0"/>
+          </a:p>
+        </p:txBody>
+      </p:sp>
+      <p:sp>
+        <p:nvSpPr>
+          <p:cNvPr id="17" name="Rectangle 16">
+            <a:extLst>
+              <a:ext uri="{FF2B5EF4-FFF2-40B4-BE49-F238E27FC236}">
+                <a16:creationId xmlns:a16="http://schemas.microsoft.com/office/drawing/2014/main" id="{09C9F743-1511-4D1A-A797-F33A333213F7}"/>
+              </a:ext>
+            </a:extLst>
+          </p:cNvPr>
+          <p:cNvSpPr/>
+          <p:nvPr/>
+        </p:nvSpPr>
+        <p:spPr>
+          <a:xfrm>
+            <a:off x="4384949" y="-1010653"/>
+            <a:ext cx="914400" cy="914400"/>
+          </a:xfrm>
+          <a:prstGeom prst="rect">
+            <a:avLst/>
+          </a:prstGeom>
+        </p:spPr>
+        <p:style>
+          <a:lnRef idx="2">
+            <a:schemeClr val="accent1">
+              <a:shade val="50000"/>
+            </a:schemeClr>
+          </a:lnRef>
+          <a:fillRef idx="1">
+            <a:schemeClr val="accent1"/>
+          </a:fillRef>
+          <a:effectRef idx="0">
+            <a:schemeClr val="accent1"/>
+          </a:effectRef>
+          <a:fontRef idx="minor">
+            <a:schemeClr val="lt1"/>
+          </a:fontRef>
+        </p:style>
+        <p:txBody>
+          <a:bodyPr rtlCol="0" anchor="ctr"/>
+          <a:lstStyle/>
+          <a:p>
+            <a:pPr algn="ctr"/>
+            <a:r>
+              <a:rPr lang="es-419" dirty="0"/>
+              <a:t>J1</a:t>
+            </a:r>
+            <a:endParaRPr lang="en-US" dirty="0"/>
+          </a:p>
+        </p:txBody>
+      </p:sp>
+      <p:sp>
+        <p:nvSpPr>
+          <p:cNvPr id="25" name="Rectangle 24">
+            <a:extLst>
+              <a:ext uri="{FF2B5EF4-FFF2-40B4-BE49-F238E27FC236}">
+                <a16:creationId xmlns:a16="http://schemas.microsoft.com/office/drawing/2014/main" id="{98F85B07-156D-44EA-ABF6-B1308D53D611}"/>
+              </a:ext>
+            </a:extLst>
+          </p:cNvPr>
+          <p:cNvSpPr/>
+          <p:nvPr/>
+        </p:nvSpPr>
+        <p:spPr>
+          <a:xfrm>
+            <a:off x="6887519" y="-1010653"/>
+            <a:ext cx="914400" cy="914400"/>
+          </a:xfrm>
+          <a:prstGeom prst="rect">
+            <a:avLst/>
+          </a:prstGeom>
+          <a:solidFill>
+            <a:srgbClr val="FF0000"/>
+          </a:solidFill>
+        </p:spPr>
+        <p:style>
+          <a:lnRef idx="2">
+            <a:schemeClr val="accent1">
+              <a:shade val="50000"/>
+            </a:schemeClr>
+          </a:lnRef>
+          <a:fillRef idx="1">
+            <a:schemeClr val="accent1"/>
+          </a:fillRef>
+          <a:effectRef idx="0">
+            <a:schemeClr val="accent1"/>
+          </a:effectRef>
+          <a:fontRef idx="minor">
+            <a:schemeClr val="lt1"/>
+          </a:fontRef>
+        </p:style>
+        <p:txBody>
+          <a:bodyPr rtlCol="0" anchor="ctr"/>
+          <a:lstStyle/>
+          <a:p>
+            <a:pPr algn="ctr"/>
+            <a:r>
+              <a:rPr lang="es-419" dirty="0"/>
+              <a:t>J3</a:t>
+            </a:r>
+            <a:endParaRPr lang="en-US" dirty="0"/>
+          </a:p>
+        </p:txBody>
+      </p:sp>
+      <p:sp>
+        <p:nvSpPr>
+          <p:cNvPr id="26" name="TextBox 25">
+            <a:extLst>
+              <a:ext uri="{FF2B5EF4-FFF2-40B4-BE49-F238E27FC236}">
+                <a16:creationId xmlns:a16="http://schemas.microsoft.com/office/drawing/2014/main" id="{9E61E333-43CD-4075-9157-3AADD4C81654}"/>
+              </a:ext>
+            </a:extLst>
+          </p:cNvPr>
+          <p:cNvSpPr txBox="1"/>
+          <p:nvPr/>
+        </p:nvSpPr>
+        <p:spPr>
+          <a:xfrm>
+            <a:off x="16810736" y="6730425"/>
+            <a:ext cx="1484702" cy="584775"/>
+          </a:xfrm>
+          <a:prstGeom prst="rect">
+            <a:avLst/>
+          </a:prstGeom>
+          <a:noFill/>
+        </p:spPr>
+        <p:txBody>
+          <a:bodyPr wrap="none" rtlCol="0">
+            <a:spAutoFit/>
+          </a:bodyPr>
+          <a:lstStyle/>
+          <a:p>
+            <a:pPr algn="r"/>
+            <a:r>
+              <a:rPr lang="es-419" sz="3200" b="1" dirty="0">
+                <a:latin typeface="Times New Roman" panose="02020603050405020304" pitchFamily="18" charset="0"/>
+                <a:cs typeface="Times New Roman" panose="02020603050405020304" pitchFamily="18" charset="0"/>
+              </a:rPr>
+              <a:t>GEN02</a:t>
+            </a:r>
+            <a:endParaRPr lang="en-US" sz="3200" b="1" dirty="0">
+              <a:latin typeface="Times New Roman" panose="02020603050405020304" pitchFamily="18" charset="0"/>
+              <a:cs typeface="Times New Roman" panose="02020603050405020304" pitchFamily="18" charset="0"/>
+            </a:endParaRPr>
+          </a:p>
+        </p:txBody>
+      </p:sp>
+    </p:spTree>
+    <p:extLst>
+      <p:ext uri="{BB962C8B-B14F-4D97-AF65-F5344CB8AC3E}">
+        <p14:creationId xmlns:p14="http://schemas.microsoft.com/office/powerpoint/2010/main" val="2995983131"/>
+      </p:ext>
+    </p:extLst>
+  </p:cSld>
+  <p:clrMapOvr>
+    <a:masterClrMapping/>
+  </p:clrMapOvr>
+</p:sld>
+</file>
+
+<file path=ppt/slides/slide28.xml><?xml version="1.0" encoding="utf-8"?>
+<p:sld xmlns:a="http://schemas.openxmlformats.org/drawingml/2006/main" xmlns:r="http://schemas.openxmlformats.org/officeDocument/2006/relationships" xmlns:p="http://schemas.openxmlformats.org/presentationml/2006/main">
+  <p:cSld>
+    <p:spTree>
+      <p:nvGrpSpPr>
+        <p:cNvPr id="1" name=""/>
+        <p:cNvGrpSpPr/>
+        <p:nvPr/>
+      </p:nvGrpSpPr>
+      <p:grpSpPr>
+        <a:xfrm>
+          <a:off x="0" y="0"/>
+          <a:ext cx="0" cy="0"/>
+          <a:chOff x="0" y="0"/>
+          <a:chExt cx="0" cy="0"/>
+        </a:xfrm>
+      </p:grpSpPr>
+      <p:pic>
+        <p:nvPicPr>
+          <p:cNvPr id="3" name="Picture 2">
+            <a:extLst>
+              <a:ext uri="{FF2B5EF4-FFF2-40B4-BE49-F238E27FC236}">
+                <a16:creationId xmlns:a16="http://schemas.microsoft.com/office/drawing/2014/main" id="{6A93ADA2-799D-4020-AE70-62574E5558D8}"/>
+              </a:ext>
+            </a:extLst>
+          </p:cNvPr>
+          <p:cNvPicPr>
+            <a:picLocks noChangeAspect="1"/>
+          </p:cNvPicPr>
+          <p:nvPr/>
+        </p:nvPicPr>
+        <p:blipFill>
+          <a:blip r:embed="rId2"/>
+          <a:stretch>
+            <a:fillRect/>
+          </a:stretch>
+        </p:blipFill>
+        <p:spPr>
+          <a:xfrm>
+            <a:off x="4267200" y="0"/>
+            <a:ext cx="9753600" cy="7315200"/>
+          </a:xfrm>
+          <a:prstGeom prst="rect">
+            <a:avLst/>
+          </a:prstGeom>
+        </p:spPr>
+      </p:pic>
+      <p:sp>
+        <p:nvSpPr>
+          <p:cNvPr id="4" name="TextBox 3">
+            <a:extLst>
+              <a:ext uri="{FF2B5EF4-FFF2-40B4-BE49-F238E27FC236}">
+                <a16:creationId xmlns:a16="http://schemas.microsoft.com/office/drawing/2014/main" id="{AC9F781A-7D5E-4F89-B7FA-B2D77FA150B3}"/>
+              </a:ext>
+            </a:extLst>
+          </p:cNvPr>
+          <p:cNvSpPr txBox="1"/>
+          <p:nvPr/>
+        </p:nvSpPr>
+        <p:spPr>
+          <a:xfrm>
+            <a:off x="385011" y="397042"/>
+            <a:ext cx="3635932" cy="4801314"/>
+          </a:xfrm>
+          <a:prstGeom prst="rect">
+            <a:avLst/>
+          </a:prstGeom>
+          <a:noFill/>
+        </p:spPr>
+        <p:txBody>
+          <a:bodyPr wrap="none" rtlCol="0">
+            <a:spAutoFit/>
+          </a:bodyPr>
+          <a:lstStyle/>
+          <a:p>
+            <a:r>
+              <a:rPr lang="es-419" dirty="0"/>
+              <a:t>Processing Times:</a:t>
+            </a:r>
+          </a:p>
+          <a:p>
+            <a:r>
+              <a:rPr lang="de-DE" dirty="0"/>
+              <a:t>0.0000   10.0000   10.0000   10.0000</a:t>
+            </a:r>
+          </a:p>
+          <a:p>
+            <a:r>
+              <a:rPr lang="de-DE" dirty="0"/>
+              <a:t>0.0001   10.0000    1.1595    5.4081</a:t>
+            </a:r>
+          </a:p>
+          <a:p>
+            <a:r>
+              <a:rPr lang="de-DE" dirty="0"/>
+              <a:t>10.0000   10.0000    9.9999   10.0000</a:t>
+            </a:r>
+          </a:p>
+          <a:p>
+            <a:endParaRPr lang="de-DE" dirty="0"/>
+          </a:p>
+          <a:p>
+            <a:r>
+              <a:rPr lang="de-DE" dirty="0"/>
+              <a:t>MACHINES</a:t>
+            </a:r>
+          </a:p>
+          <a:p>
+            <a:r>
+              <a:rPr lang="de-DE" dirty="0"/>
+              <a:t>2     3     3     1</a:t>
+            </a:r>
+          </a:p>
+          <a:p>
+            <a:r>
+              <a:rPr lang="de-DE" dirty="0"/>
+              <a:t>2     3     4     1</a:t>
+            </a:r>
+          </a:p>
+          <a:p>
+            <a:r>
+              <a:rPr lang="de-DE" dirty="0"/>
+              <a:t>2     2     2     3</a:t>
+            </a:r>
+          </a:p>
+          <a:p>
+            <a:endParaRPr lang="de-DE" dirty="0"/>
+          </a:p>
+          <a:p>
+            <a:endParaRPr lang="de-DE" dirty="0"/>
+          </a:p>
+          <a:p>
+            <a:r>
+              <a:rPr lang="de-DE" dirty="0"/>
+              <a:t>Heuristic: </a:t>
+            </a:r>
+          </a:p>
+          <a:p>
+            <a:r>
+              <a:rPr lang="de-DE" dirty="0"/>
+              <a:t>Shortest Processing Time (SPT)</a:t>
+            </a:r>
+          </a:p>
+          <a:p>
+            <a:endParaRPr lang="de-DE" dirty="0"/>
+          </a:p>
+          <a:p>
+            <a:r>
+              <a:rPr lang="de-DE" dirty="0"/>
+              <a:t>Makespan: 40</a:t>
+            </a:r>
+          </a:p>
+          <a:p>
+            <a:endParaRPr lang="de-DE" dirty="0"/>
+          </a:p>
+          <a:p>
+            <a:endParaRPr lang="de-DE" dirty="0"/>
+          </a:p>
+        </p:txBody>
+      </p:sp>
+      <p:sp>
+        <p:nvSpPr>
+          <p:cNvPr id="6" name="Rectangle 5">
+            <a:extLst>
+              <a:ext uri="{FF2B5EF4-FFF2-40B4-BE49-F238E27FC236}">
+                <a16:creationId xmlns:a16="http://schemas.microsoft.com/office/drawing/2014/main" id="{E55B10C1-BA75-421F-AB4A-AE291BDAF77C}"/>
+              </a:ext>
+            </a:extLst>
+          </p:cNvPr>
+          <p:cNvSpPr/>
+          <p:nvPr/>
+        </p:nvSpPr>
+        <p:spPr>
+          <a:xfrm>
+            <a:off x="5570620" y="-1010653"/>
+            <a:ext cx="914400" cy="914400"/>
+          </a:xfrm>
+          <a:prstGeom prst="rect">
+            <a:avLst/>
+          </a:prstGeom>
+          <a:solidFill>
+            <a:srgbClr val="FFC000"/>
+          </a:solidFill>
+        </p:spPr>
+        <p:style>
+          <a:lnRef idx="2">
+            <a:schemeClr val="accent1">
+              <a:shade val="50000"/>
+            </a:schemeClr>
+          </a:lnRef>
+          <a:fillRef idx="1">
+            <a:schemeClr val="accent1"/>
+          </a:fillRef>
+          <a:effectRef idx="0">
+            <a:schemeClr val="accent1"/>
+          </a:effectRef>
+          <a:fontRef idx="minor">
+            <a:schemeClr val="lt1"/>
+          </a:fontRef>
+        </p:style>
+        <p:txBody>
+          <a:bodyPr rtlCol="0" anchor="ctr"/>
+          <a:lstStyle/>
+          <a:p>
+            <a:pPr algn="ctr"/>
+            <a:r>
+              <a:rPr lang="es-419" dirty="0"/>
+              <a:t>J2</a:t>
+            </a:r>
+            <a:endParaRPr lang="en-US" dirty="0"/>
+          </a:p>
+        </p:txBody>
+      </p:sp>
+      <p:sp>
+        <p:nvSpPr>
+          <p:cNvPr id="8" name="Rectangle 7">
+            <a:extLst>
+              <a:ext uri="{FF2B5EF4-FFF2-40B4-BE49-F238E27FC236}">
+                <a16:creationId xmlns:a16="http://schemas.microsoft.com/office/drawing/2014/main" id="{FEFD8500-FBA5-4A07-8266-94D899F047F3}"/>
+              </a:ext>
+            </a:extLst>
+          </p:cNvPr>
+          <p:cNvSpPr/>
+          <p:nvPr/>
+        </p:nvSpPr>
+        <p:spPr>
+          <a:xfrm>
+            <a:off x="8987590" y="-1010653"/>
+            <a:ext cx="914400" cy="914400"/>
+          </a:xfrm>
+          <a:prstGeom prst="rect">
+            <a:avLst/>
+          </a:prstGeom>
+          <a:solidFill>
+            <a:srgbClr val="00B050"/>
+          </a:solidFill>
+        </p:spPr>
+        <p:style>
+          <a:lnRef idx="2">
+            <a:schemeClr val="accent1">
+              <a:shade val="50000"/>
+            </a:schemeClr>
+          </a:lnRef>
+          <a:fillRef idx="1">
+            <a:schemeClr val="accent1"/>
+          </a:fillRef>
+          <a:effectRef idx="0">
+            <a:schemeClr val="accent1"/>
+          </a:effectRef>
+          <a:fontRef idx="minor">
+            <a:schemeClr val="lt1"/>
+          </a:fontRef>
+        </p:style>
+        <p:txBody>
+          <a:bodyPr rtlCol="0" anchor="ctr"/>
+          <a:lstStyle/>
+          <a:p>
+            <a:pPr algn="ctr"/>
+            <a:r>
+              <a:rPr lang="es-419" dirty="0"/>
+              <a:t>J4</a:t>
+            </a:r>
+            <a:endParaRPr lang="en-US" dirty="0"/>
+          </a:p>
+        </p:txBody>
+      </p:sp>
+      <p:sp>
+        <p:nvSpPr>
+          <p:cNvPr id="9" name="Rectangle 8">
+            <a:extLst>
+              <a:ext uri="{FF2B5EF4-FFF2-40B4-BE49-F238E27FC236}">
+                <a16:creationId xmlns:a16="http://schemas.microsoft.com/office/drawing/2014/main" id="{521DAF4A-5711-47AE-850A-F86526E6EF75}"/>
+              </a:ext>
+            </a:extLst>
+          </p:cNvPr>
+          <p:cNvSpPr/>
+          <p:nvPr/>
+        </p:nvSpPr>
+        <p:spPr>
+          <a:xfrm>
+            <a:off x="10214811" y="-1010653"/>
+            <a:ext cx="914400" cy="914400"/>
+          </a:xfrm>
+          <a:prstGeom prst="rect">
+            <a:avLst/>
+          </a:prstGeom>
+          <a:solidFill>
+            <a:schemeClr val="accent3">
+              <a:lumMod val="60000"/>
+              <a:lumOff val="40000"/>
+            </a:schemeClr>
+          </a:solidFill>
+        </p:spPr>
+        <p:style>
+          <a:lnRef idx="2">
+            <a:schemeClr val="accent1">
+              <a:shade val="50000"/>
+            </a:schemeClr>
+          </a:lnRef>
+          <a:fillRef idx="1">
+            <a:schemeClr val="accent1"/>
+          </a:fillRef>
+          <a:effectRef idx="0">
+            <a:schemeClr val="accent1"/>
+          </a:effectRef>
+          <a:fontRef idx="minor">
+            <a:schemeClr val="lt1"/>
+          </a:fontRef>
+        </p:style>
+        <p:txBody>
+          <a:bodyPr rtlCol="0" anchor="ctr"/>
+          <a:lstStyle/>
+          <a:p>
+            <a:pPr algn="ctr"/>
+            <a:r>
+              <a:rPr lang="es-419" dirty="0"/>
+              <a:t>J5</a:t>
+            </a:r>
+            <a:endParaRPr lang="en-US" dirty="0"/>
+          </a:p>
+        </p:txBody>
+      </p:sp>
+      <p:sp>
+        <p:nvSpPr>
+          <p:cNvPr id="17" name="Rectangle 16">
+            <a:extLst>
+              <a:ext uri="{FF2B5EF4-FFF2-40B4-BE49-F238E27FC236}">
+                <a16:creationId xmlns:a16="http://schemas.microsoft.com/office/drawing/2014/main" id="{09C9F743-1511-4D1A-A797-F33A333213F7}"/>
+              </a:ext>
+            </a:extLst>
+          </p:cNvPr>
+          <p:cNvSpPr/>
+          <p:nvPr/>
+        </p:nvSpPr>
+        <p:spPr>
+          <a:xfrm>
+            <a:off x="4384949" y="-1010653"/>
+            <a:ext cx="914400" cy="914400"/>
+          </a:xfrm>
+          <a:prstGeom prst="rect">
+            <a:avLst/>
+          </a:prstGeom>
+        </p:spPr>
+        <p:style>
+          <a:lnRef idx="2">
+            <a:schemeClr val="accent1">
+              <a:shade val="50000"/>
+            </a:schemeClr>
+          </a:lnRef>
+          <a:fillRef idx="1">
+            <a:schemeClr val="accent1"/>
+          </a:fillRef>
+          <a:effectRef idx="0">
+            <a:schemeClr val="accent1"/>
+          </a:effectRef>
+          <a:fontRef idx="minor">
+            <a:schemeClr val="lt1"/>
+          </a:fontRef>
+        </p:style>
+        <p:txBody>
+          <a:bodyPr rtlCol="0" anchor="ctr"/>
+          <a:lstStyle/>
+          <a:p>
+            <a:pPr algn="ctr"/>
+            <a:r>
+              <a:rPr lang="es-419" dirty="0"/>
+              <a:t>J1</a:t>
+            </a:r>
+            <a:endParaRPr lang="en-US" dirty="0"/>
+          </a:p>
+        </p:txBody>
+      </p:sp>
+      <p:sp>
+        <p:nvSpPr>
+          <p:cNvPr id="25" name="Rectangle 24">
+            <a:extLst>
+              <a:ext uri="{FF2B5EF4-FFF2-40B4-BE49-F238E27FC236}">
+                <a16:creationId xmlns:a16="http://schemas.microsoft.com/office/drawing/2014/main" id="{98F85B07-156D-44EA-ABF6-B1308D53D611}"/>
+              </a:ext>
+            </a:extLst>
+          </p:cNvPr>
+          <p:cNvSpPr/>
+          <p:nvPr/>
+        </p:nvSpPr>
+        <p:spPr>
+          <a:xfrm>
+            <a:off x="6887519" y="-1010653"/>
+            <a:ext cx="914400" cy="914400"/>
+          </a:xfrm>
+          <a:prstGeom prst="rect">
+            <a:avLst/>
+          </a:prstGeom>
+          <a:solidFill>
+            <a:srgbClr val="FF0000"/>
+          </a:solidFill>
+        </p:spPr>
+        <p:style>
+          <a:lnRef idx="2">
+            <a:schemeClr val="accent1">
+              <a:shade val="50000"/>
+            </a:schemeClr>
+          </a:lnRef>
+          <a:fillRef idx="1">
+            <a:schemeClr val="accent1"/>
+          </a:fillRef>
+          <a:effectRef idx="0">
+            <a:schemeClr val="accent1"/>
+          </a:effectRef>
+          <a:fontRef idx="minor">
+            <a:schemeClr val="lt1"/>
+          </a:fontRef>
+        </p:style>
+        <p:txBody>
+          <a:bodyPr rtlCol="0" anchor="ctr"/>
+          <a:lstStyle/>
+          <a:p>
+            <a:pPr algn="ctr"/>
+            <a:r>
+              <a:rPr lang="es-419" dirty="0"/>
+              <a:t>J3</a:t>
+            </a:r>
+            <a:endParaRPr lang="en-US" dirty="0"/>
+          </a:p>
+        </p:txBody>
+      </p:sp>
+      <p:sp>
+        <p:nvSpPr>
+          <p:cNvPr id="12" name="TextBox 11">
+            <a:extLst>
+              <a:ext uri="{FF2B5EF4-FFF2-40B4-BE49-F238E27FC236}">
+                <a16:creationId xmlns:a16="http://schemas.microsoft.com/office/drawing/2014/main" id="{20821D4D-406F-41F4-94E2-FEDB353F7C4F}"/>
+              </a:ext>
+            </a:extLst>
+          </p:cNvPr>
+          <p:cNvSpPr txBox="1"/>
+          <p:nvPr/>
+        </p:nvSpPr>
+        <p:spPr>
+          <a:xfrm>
+            <a:off x="16810736" y="6730425"/>
+            <a:ext cx="1484702" cy="584775"/>
+          </a:xfrm>
+          <a:prstGeom prst="rect">
+            <a:avLst/>
+          </a:prstGeom>
+          <a:noFill/>
+        </p:spPr>
+        <p:txBody>
+          <a:bodyPr wrap="none" rtlCol="0">
+            <a:spAutoFit/>
+          </a:bodyPr>
+          <a:lstStyle/>
+          <a:p>
+            <a:pPr algn="r"/>
+            <a:r>
+              <a:rPr lang="es-419" sz="3200" b="1" dirty="0">
+                <a:latin typeface="Times New Roman" panose="02020603050405020304" pitchFamily="18" charset="0"/>
+                <a:cs typeface="Times New Roman" panose="02020603050405020304" pitchFamily="18" charset="0"/>
+              </a:rPr>
+              <a:t>GEN02</a:t>
+            </a:r>
+            <a:endParaRPr lang="en-US" sz="3200" b="1" dirty="0">
+              <a:latin typeface="Times New Roman" panose="02020603050405020304" pitchFamily="18" charset="0"/>
+              <a:cs typeface="Times New Roman" panose="02020603050405020304" pitchFamily="18" charset="0"/>
+            </a:endParaRPr>
+          </a:p>
+        </p:txBody>
+      </p:sp>
+    </p:spTree>
+    <p:extLst>
+      <p:ext uri="{BB962C8B-B14F-4D97-AF65-F5344CB8AC3E}">
+        <p14:creationId xmlns:p14="http://schemas.microsoft.com/office/powerpoint/2010/main" val="4133585884"/>
+      </p:ext>
+    </p:extLst>
+  </p:cSld>
+  <p:clrMapOvr>
+    <a:masterClrMapping/>
+  </p:clrMapOvr>
+</p:sld>
+</file>
+
+<file path=ppt/slides/slide29.xml><?xml version="1.0" encoding="utf-8"?>
+<p:sld xmlns:a="http://schemas.openxmlformats.org/drawingml/2006/main" xmlns:r="http://schemas.openxmlformats.org/officeDocument/2006/relationships" xmlns:p="http://schemas.openxmlformats.org/presentationml/2006/main">
+  <p:cSld>
+    <p:spTree>
+      <p:nvGrpSpPr>
+        <p:cNvPr id="1" name=""/>
+        <p:cNvGrpSpPr/>
+        <p:nvPr/>
+      </p:nvGrpSpPr>
+      <p:grpSpPr>
+        <a:xfrm>
+          <a:off x="0" y="0"/>
+          <a:ext cx="0" cy="0"/>
+          <a:chOff x="0" y="0"/>
+          <a:chExt cx="0" cy="0"/>
+        </a:xfrm>
+      </p:grpSpPr>
+      <p:pic>
+        <p:nvPicPr>
+          <p:cNvPr id="3" name="Picture 2">
+            <a:extLst>
+              <a:ext uri="{FF2B5EF4-FFF2-40B4-BE49-F238E27FC236}">
+                <a16:creationId xmlns:a16="http://schemas.microsoft.com/office/drawing/2014/main" id="{506CA517-CE98-499A-AF21-FEE604C64C36}"/>
+              </a:ext>
+            </a:extLst>
+          </p:cNvPr>
+          <p:cNvPicPr>
+            <a:picLocks noChangeAspect="1"/>
+          </p:cNvPicPr>
+          <p:nvPr/>
+        </p:nvPicPr>
+        <p:blipFill>
+          <a:blip r:embed="rId2"/>
+          <a:stretch>
+            <a:fillRect/>
+          </a:stretch>
+        </p:blipFill>
+        <p:spPr>
+          <a:xfrm>
+            <a:off x="4267200" y="0"/>
+            <a:ext cx="9753600" cy="7315200"/>
+          </a:xfrm>
+          <a:prstGeom prst="rect">
+            <a:avLst/>
+          </a:prstGeom>
+        </p:spPr>
+      </p:pic>
+      <p:sp>
+        <p:nvSpPr>
+          <p:cNvPr id="4" name="TextBox 3">
+            <a:extLst>
+              <a:ext uri="{FF2B5EF4-FFF2-40B4-BE49-F238E27FC236}">
+                <a16:creationId xmlns:a16="http://schemas.microsoft.com/office/drawing/2014/main" id="{AC9F781A-7D5E-4F89-B7FA-B2D77FA150B3}"/>
+              </a:ext>
+            </a:extLst>
+          </p:cNvPr>
+          <p:cNvSpPr txBox="1"/>
+          <p:nvPr/>
+        </p:nvSpPr>
+        <p:spPr>
+          <a:xfrm>
+            <a:off x="385011" y="397042"/>
+            <a:ext cx="3635932" cy="4801314"/>
+          </a:xfrm>
+          <a:prstGeom prst="rect">
+            <a:avLst/>
+          </a:prstGeom>
+          <a:noFill/>
+        </p:spPr>
+        <p:txBody>
+          <a:bodyPr wrap="none" rtlCol="0">
+            <a:spAutoFit/>
+          </a:bodyPr>
+          <a:lstStyle/>
+          <a:p>
+            <a:r>
+              <a:rPr lang="es-419" dirty="0"/>
+              <a:t>Processing Times:</a:t>
+            </a:r>
+          </a:p>
+          <a:p>
+            <a:r>
+              <a:rPr lang="de-DE" dirty="0"/>
+              <a:t>0.0000   10.0000   10.0000   10.0000</a:t>
+            </a:r>
+          </a:p>
+          <a:p>
+            <a:r>
+              <a:rPr lang="de-DE" dirty="0"/>
+              <a:t>0.0001   10.0000    1.1595    5.4081</a:t>
+            </a:r>
+          </a:p>
+          <a:p>
+            <a:r>
+              <a:rPr lang="de-DE" dirty="0"/>
+              <a:t>10.0000   10.0000    9.9999   10.0000</a:t>
+            </a:r>
+          </a:p>
+          <a:p>
+            <a:endParaRPr lang="de-DE" dirty="0"/>
+          </a:p>
+          <a:p>
+            <a:r>
+              <a:rPr lang="de-DE" dirty="0"/>
+              <a:t>MACHINES</a:t>
+            </a:r>
+          </a:p>
+          <a:p>
+            <a:r>
+              <a:rPr lang="de-DE" dirty="0"/>
+              <a:t>2     3     3     1</a:t>
+            </a:r>
+          </a:p>
+          <a:p>
+            <a:r>
+              <a:rPr lang="de-DE" dirty="0"/>
+              <a:t>2     3     4     1</a:t>
+            </a:r>
+          </a:p>
+          <a:p>
+            <a:r>
+              <a:rPr lang="de-DE" dirty="0"/>
+              <a:t>2     2     2     3</a:t>
+            </a:r>
+          </a:p>
+          <a:p>
+            <a:endParaRPr lang="de-DE" dirty="0"/>
+          </a:p>
+          <a:p>
+            <a:endParaRPr lang="de-DE" dirty="0"/>
+          </a:p>
+          <a:p>
+            <a:r>
+              <a:rPr lang="de-DE" dirty="0"/>
+              <a:t>Heuristic: </a:t>
+            </a:r>
+          </a:p>
+          <a:p>
+            <a:r>
+              <a:rPr lang="de-DE" dirty="0"/>
+              <a:t>Most Pending Activities (MPA)</a:t>
+            </a:r>
+          </a:p>
+          <a:p>
+            <a:endParaRPr lang="de-DE" dirty="0"/>
+          </a:p>
+          <a:p>
+            <a:r>
+              <a:rPr lang="de-DE" dirty="0"/>
+              <a:t>Makespan: 40</a:t>
+            </a:r>
+          </a:p>
+          <a:p>
+            <a:endParaRPr lang="de-DE" dirty="0"/>
+          </a:p>
+          <a:p>
+            <a:endParaRPr lang="de-DE" dirty="0"/>
+          </a:p>
+        </p:txBody>
+      </p:sp>
+      <p:sp>
+        <p:nvSpPr>
+          <p:cNvPr id="6" name="Rectangle 5">
+            <a:extLst>
+              <a:ext uri="{FF2B5EF4-FFF2-40B4-BE49-F238E27FC236}">
+                <a16:creationId xmlns:a16="http://schemas.microsoft.com/office/drawing/2014/main" id="{E55B10C1-BA75-421F-AB4A-AE291BDAF77C}"/>
+              </a:ext>
+            </a:extLst>
+          </p:cNvPr>
+          <p:cNvSpPr/>
+          <p:nvPr/>
+        </p:nvSpPr>
+        <p:spPr>
+          <a:xfrm>
+            <a:off x="5570620" y="-1010653"/>
+            <a:ext cx="914400" cy="914400"/>
+          </a:xfrm>
+          <a:prstGeom prst="rect">
+            <a:avLst/>
+          </a:prstGeom>
+          <a:solidFill>
+            <a:srgbClr val="FFC000"/>
+          </a:solidFill>
+        </p:spPr>
+        <p:style>
+          <a:lnRef idx="2">
+            <a:schemeClr val="accent1">
+              <a:shade val="50000"/>
+            </a:schemeClr>
+          </a:lnRef>
+          <a:fillRef idx="1">
+            <a:schemeClr val="accent1"/>
+          </a:fillRef>
+          <a:effectRef idx="0">
+            <a:schemeClr val="accent1"/>
+          </a:effectRef>
+          <a:fontRef idx="minor">
+            <a:schemeClr val="lt1"/>
+          </a:fontRef>
+        </p:style>
+        <p:txBody>
+          <a:bodyPr rtlCol="0" anchor="ctr"/>
+          <a:lstStyle/>
+          <a:p>
+            <a:pPr algn="ctr"/>
+            <a:r>
+              <a:rPr lang="es-419" dirty="0"/>
+              <a:t>J2</a:t>
+            </a:r>
+            <a:endParaRPr lang="en-US" dirty="0"/>
+          </a:p>
+        </p:txBody>
+      </p:sp>
+      <p:sp>
+        <p:nvSpPr>
+          <p:cNvPr id="8" name="Rectangle 7">
+            <a:extLst>
+              <a:ext uri="{FF2B5EF4-FFF2-40B4-BE49-F238E27FC236}">
+                <a16:creationId xmlns:a16="http://schemas.microsoft.com/office/drawing/2014/main" id="{FEFD8500-FBA5-4A07-8266-94D899F047F3}"/>
+              </a:ext>
+            </a:extLst>
+          </p:cNvPr>
+          <p:cNvSpPr/>
+          <p:nvPr/>
+        </p:nvSpPr>
+        <p:spPr>
+          <a:xfrm>
+            <a:off x="8987590" y="-1010653"/>
+            <a:ext cx="914400" cy="914400"/>
+          </a:xfrm>
+          <a:prstGeom prst="rect">
+            <a:avLst/>
+          </a:prstGeom>
+          <a:solidFill>
+            <a:srgbClr val="00B050"/>
+          </a:solidFill>
+        </p:spPr>
+        <p:style>
+          <a:lnRef idx="2">
+            <a:schemeClr val="accent1">
+              <a:shade val="50000"/>
+            </a:schemeClr>
+          </a:lnRef>
+          <a:fillRef idx="1">
+            <a:schemeClr val="accent1"/>
+          </a:fillRef>
+          <a:effectRef idx="0">
+            <a:schemeClr val="accent1"/>
+          </a:effectRef>
+          <a:fontRef idx="minor">
+            <a:schemeClr val="lt1"/>
+          </a:fontRef>
+        </p:style>
+        <p:txBody>
+          <a:bodyPr rtlCol="0" anchor="ctr"/>
+          <a:lstStyle/>
+          <a:p>
+            <a:pPr algn="ctr"/>
+            <a:r>
+              <a:rPr lang="es-419" dirty="0"/>
+              <a:t>J4</a:t>
+            </a:r>
+            <a:endParaRPr lang="en-US" dirty="0"/>
+          </a:p>
+        </p:txBody>
+      </p:sp>
+      <p:sp>
+        <p:nvSpPr>
+          <p:cNvPr id="9" name="Rectangle 8">
+            <a:extLst>
+              <a:ext uri="{FF2B5EF4-FFF2-40B4-BE49-F238E27FC236}">
+                <a16:creationId xmlns:a16="http://schemas.microsoft.com/office/drawing/2014/main" id="{521DAF4A-5711-47AE-850A-F86526E6EF75}"/>
+              </a:ext>
+            </a:extLst>
+          </p:cNvPr>
+          <p:cNvSpPr/>
+          <p:nvPr/>
+        </p:nvSpPr>
+        <p:spPr>
+          <a:xfrm>
+            <a:off x="10214811" y="-1010653"/>
+            <a:ext cx="914400" cy="914400"/>
+          </a:xfrm>
+          <a:prstGeom prst="rect">
+            <a:avLst/>
+          </a:prstGeom>
+          <a:solidFill>
+            <a:schemeClr val="accent3">
+              <a:lumMod val="60000"/>
+              <a:lumOff val="40000"/>
+            </a:schemeClr>
+          </a:solidFill>
+        </p:spPr>
+        <p:style>
+          <a:lnRef idx="2">
+            <a:schemeClr val="accent1">
+              <a:shade val="50000"/>
+            </a:schemeClr>
+          </a:lnRef>
+          <a:fillRef idx="1">
+            <a:schemeClr val="accent1"/>
+          </a:fillRef>
+          <a:effectRef idx="0">
+            <a:schemeClr val="accent1"/>
+          </a:effectRef>
+          <a:fontRef idx="minor">
+            <a:schemeClr val="lt1"/>
+          </a:fontRef>
+        </p:style>
+        <p:txBody>
+          <a:bodyPr rtlCol="0" anchor="ctr"/>
+          <a:lstStyle/>
+          <a:p>
+            <a:pPr algn="ctr"/>
+            <a:r>
+              <a:rPr lang="es-419" dirty="0"/>
+              <a:t>J5</a:t>
+            </a:r>
+            <a:endParaRPr lang="en-US" dirty="0"/>
+          </a:p>
+        </p:txBody>
+      </p:sp>
+      <p:sp>
+        <p:nvSpPr>
+          <p:cNvPr id="17" name="Rectangle 16">
+            <a:extLst>
+              <a:ext uri="{FF2B5EF4-FFF2-40B4-BE49-F238E27FC236}">
+                <a16:creationId xmlns:a16="http://schemas.microsoft.com/office/drawing/2014/main" id="{09C9F743-1511-4D1A-A797-F33A333213F7}"/>
+              </a:ext>
+            </a:extLst>
+          </p:cNvPr>
+          <p:cNvSpPr/>
+          <p:nvPr/>
+        </p:nvSpPr>
+        <p:spPr>
+          <a:xfrm>
+            <a:off x="4384949" y="-1010653"/>
+            <a:ext cx="914400" cy="914400"/>
+          </a:xfrm>
+          <a:prstGeom prst="rect">
+            <a:avLst/>
+          </a:prstGeom>
+        </p:spPr>
+        <p:style>
+          <a:lnRef idx="2">
+            <a:schemeClr val="accent1">
+              <a:shade val="50000"/>
+            </a:schemeClr>
+          </a:lnRef>
+          <a:fillRef idx="1">
+            <a:schemeClr val="accent1"/>
+          </a:fillRef>
+          <a:effectRef idx="0">
+            <a:schemeClr val="accent1"/>
+          </a:effectRef>
+          <a:fontRef idx="minor">
+            <a:schemeClr val="lt1"/>
+          </a:fontRef>
+        </p:style>
+        <p:txBody>
+          <a:bodyPr rtlCol="0" anchor="ctr"/>
+          <a:lstStyle/>
+          <a:p>
+            <a:pPr algn="ctr"/>
+            <a:r>
+              <a:rPr lang="es-419" dirty="0"/>
+              <a:t>J1</a:t>
+            </a:r>
+            <a:endParaRPr lang="en-US" dirty="0"/>
+          </a:p>
+        </p:txBody>
+      </p:sp>
+      <p:sp>
+        <p:nvSpPr>
+          <p:cNvPr id="25" name="Rectangle 24">
+            <a:extLst>
+              <a:ext uri="{FF2B5EF4-FFF2-40B4-BE49-F238E27FC236}">
+                <a16:creationId xmlns:a16="http://schemas.microsoft.com/office/drawing/2014/main" id="{98F85B07-156D-44EA-ABF6-B1308D53D611}"/>
+              </a:ext>
+            </a:extLst>
+          </p:cNvPr>
+          <p:cNvSpPr/>
+          <p:nvPr/>
+        </p:nvSpPr>
+        <p:spPr>
+          <a:xfrm>
+            <a:off x="6887519" y="-1010653"/>
+            <a:ext cx="914400" cy="914400"/>
+          </a:xfrm>
+          <a:prstGeom prst="rect">
+            <a:avLst/>
+          </a:prstGeom>
+          <a:solidFill>
+            <a:srgbClr val="FF0000"/>
+          </a:solidFill>
+        </p:spPr>
+        <p:style>
+          <a:lnRef idx="2">
+            <a:schemeClr val="accent1">
+              <a:shade val="50000"/>
+            </a:schemeClr>
+          </a:lnRef>
+          <a:fillRef idx="1">
+            <a:schemeClr val="accent1"/>
+          </a:fillRef>
+          <a:effectRef idx="0">
+            <a:schemeClr val="accent1"/>
+          </a:effectRef>
+          <a:fontRef idx="minor">
+            <a:schemeClr val="lt1"/>
+          </a:fontRef>
+        </p:style>
+        <p:txBody>
+          <a:bodyPr rtlCol="0" anchor="ctr"/>
+          <a:lstStyle/>
+          <a:p>
+            <a:pPr algn="ctr"/>
+            <a:r>
+              <a:rPr lang="es-419" dirty="0"/>
+              <a:t>J3</a:t>
+            </a:r>
+            <a:endParaRPr lang="en-US" dirty="0"/>
+          </a:p>
+        </p:txBody>
+      </p:sp>
+      <p:sp>
+        <p:nvSpPr>
+          <p:cNvPr id="12" name="TextBox 11">
+            <a:extLst>
+              <a:ext uri="{FF2B5EF4-FFF2-40B4-BE49-F238E27FC236}">
+                <a16:creationId xmlns:a16="http://schemas.microsoft.com/office/drawing/2014/main" id="{597DF644-07BA-4782-B024-C2A12473F5A7}"/>
+              </a:ext>
+            </a:extLst>
+          </p:cNvPr>
+          <p:cNvSpPr txBox="1"/>
+          <p:nvPr/>
+        </p:nvSpPr>
+        <p:spPr>
+          <a:xfrm>
+            <a:off x="16810736" y="6730425"/>
+            <a:ext cx="1484702" cy="584775"/>
+          </a:xfrm>
+          <a:prstGeom prst="rect">
+            <a:avLst/>
+          </a:prstGeom>
+          <a:noFill/>
+        </p:spPr>
+        <p:txBody>
+          <a:bodyPr wrap="none" rtlCol="0">
+            <a:spAutoFit/>
+          </a:bodyPr>
+          <a:lstStyle/>
+          <a:p>
+            <a:pPr algn="r"/>
+            <a:r>
+              <a:rPr lang="es-419" sz="3200" b="1" dirty="0">
+                <a:latin typeface="Times New Roman" panose="02020603050405020304" pitchFamily="18" charset="0"/>
+                <a:cs typeface="Times New Roman" panose="02020603050405020304" pitchFamily="18" charset="0"/>
+              </a:rPr>
+              <a:t>GEN02</a:t>
+            </a:r>
+            <a:endParaRPr lang="en-US" sz="3200" b="1" dirty="0">
+              <a:latin typeface="Times New Roman" panose="02020603050405020304" pitchFamily="18" charset="0"/>
+              <a:cs typeface="Times New Roman" panose="02020603050405020304" pitchFamily="18" charset="0"/>
+            </a:endParaRPr>
+          </a:p>
+        </p:txBody>
+      </p:sp>
+    </p:spTree>
+    <p:extLst>
+      <p:ext uri="{BB962C8B-B14F-4D97-AF65-F5344CB8AC3E}">
+        <p14:creationId xmlns:p14="http://schemas.microsoft.com/office/powerpoint/2010/main" val="209981550"/>
+      </p:ext>
+    </p:extLst>
+  </p:cSld>
+  <p:clrMapOvr>
+    <a:masterClrMapping/>
+  </p:clrMapOvr>
+</p:sld>
+</file>
+
 <file path=ppt/slides/slide3.xml><?xml version="1.0" encoding="utf-8"?>
 <p:sld xmlns:a="http://schemas.openxmlformats.org/drawingml/2006/main" xmlns:r="http://schemas.openxmlformats.org/officeDocument/2006/relationships" xmlns:p="http://schemas.openxmlformats.org/presentationml/2006/main">
   <p:cSld>
@@ -14690,6 +18273,487 @@
     <p:extLst>
       <p:ext uri="{BB962C8B-B14F-4D97-AF65-F5344CB8AC3E}">
         <p14:creationId xmlns:p14="http://schemas.microsoft.com/office/powerpoint/2010/main" val="1397117668"/>
+      </p:ext>
+    </p:extLst>
+  </p:cSld>
+  <p:clrMapOvr>
+    <a:masterClrMapping/>
+  </p:clrMapOvr>
+</p:sld>
+</file>
+
+<file path=ppt/slides/slide30.xml><?xml version="1.0" encoding="utf-8"?>
+<p:sld xmlns:a="http://schemas.openxmlformats.org/drawingml/2006/main" xmlns:r="http://schemas.openxmlformats.org/officeDocument/2006/relationships" xmlns:p="http://schemas.openxmlformats.org/presentationml/2006/main">
+  <p:cSld>
+    <p:spTree>
+      <p:nvGrpSpPr>
+        <p:cNvPr id="1" name=""/>
+        <p:cNvGrpSpPr/>
+        <p:nvPr/>
+      </p:nvGrpSpPr>
+      <p:grpSpPr>
+        <a:xfrm>
+          <a:off x="0" y="0"/>
+          <a:ext cx="0" cy="0"/>
+          <a:chOff x="0" y="0"/>
+          <a:chExt cx="0" cy="0"/>
+        </a:xfrm>
+      </p:grpSpPr>
+      <p:pic>
+        <p:nvPicPr>
+          <p:cNvPr id="3" name="Picture 2">
+            <a:extLst>
+              <a:ext uri="{FF2B5EF4-FFF2-40B4-BE49-F238E27FC236}">
+                <a16:creationId xmlns:a16="http://schemas.microsoft.com/office/drawing/2014/main" id="{75BFE9F4-1214-4C99-96C8-2BE6E6161601}"/>
+              </a:ext>
+            </a:extLst>
+          </p:cNvPr>
+          <p:cNvPicPr>
+            <a:picLocks noChangeAspect="1"/>
+          </p:cNvPicPr>
+          <p:nvPr/>
+        </p:nvPicPr>
+        <p:blipFill>
+          <a:blip r:embed="rId2"/>
+          <a:stretch>
+            <a:fillRect/>
+          </a:stretch>
+        </p:blipFill>
+        <p:spPr>
+          <a:xfrm>
+            <a:off x="4267200" y="0"/>
+            <a:ext cx="9753600" cy="7315200"/>
+          </a:xfrm>
+          <a:prstGeom prst="rect">
+            <a:avLst/>
+          </a:prstGeom>
+        </p:spPr>
+      </p:pic>
+      <p:sp>
+        <p:nvSpPr>
+          <p:cNvPr id="4" name="TextBox 3">
+            <a:extLst>
+              <a:ext uri="{FF2B5EF4-FFF2-40B4-BE49-F238E27FC236}">
+                <a16:creationId xmlns:a16="http://schemas.microsoft.com/office/drawing/2014/main" id="{AC9F781A-7D5E-4F89-B7FA-B2D77FA150B3}"/>
+              </a:ext>
+            </a:extLst>
+          </p:cNvPr>
+          <p:cNvSpPr txBox="1"/>
+          <p:nvPr/>
+        </p:nvSpPr>
+        <p:spPr>
+          <a:xfrm>
+            <a:off x="385011" y="397042"/>
+            <a:ext cx="3635932" cy="4801314"/>
+          </a:xfrm>
+          <a:prstGeom prst="rect">
+            <a:avLst/>
+          </a:prstGeom>
+          <a:noFill/>
+        </p:spPr>
+        <p:txBody>
+          <a:bodyPr wrap="none" rtlCol="0">
+            <a:spAutoFit/>
+          </a:bodyPr>
+          <a:lstStyle/>
+          <a:p>
+            <a:r>
+              <a:rPr lang="es-419" dirty="0"/>
+              <a:t>Processing Times:</a:t>
+            </a:r>
+          </a:p>
+          <a:p>
+            <a:r>
+              <a:rPr lang="de-DE" dirty="0"/>
+              <a:t>0.0000   10.0000   10.0000   10.0000</a:t>
+            </a:r>
+          </a:p>
+          <a:p>
+            <a:r>
+              <a:rPr lang="de-DE" dirty="0"/>
+              <a:t>0.0001   10.0000    1.1595    5.4081</a:t>
+            </a:r>
+          </a:p>
+          <a:p>
+            <a:r>
+              <a:rPr lang="de-DE" dirty="0"/>
+              <a:t>10.0000   10.0000    9.9999   10.0000</a:t>
+            </a:r>
+          </a:p>
+          <a:p>
+            <a:endParaRPr lang="de-DE" dirty="0"/>
+          </a:p>
+          <a:p>
+            <a:r>
+              <a:rPr lang="de-DE" dirty="0"/>
+              <a:t>MACHINES</a:t>
+            </a:r>
+          </a:p>
+          <a:p>
+            <a:r>
+              <a:rPr lang="de-DE" dirty="0"/>
+              <a:t>2     3     3     1</a:t>
+            </a:r>
+          </a:p>
+          <a:p>
+            <a:r>
+              <a:rPr lang="de-DE" dirty="0"/>
+              <a:t>2     3     4     1</a:t>
+            </a:r>
+          </a:p>
+          <a:p>
+            <a:r>
+              <a:rPr lang="de-DE" dirty="0"/>
+              <a:t>2     2     2     3</a:t>
+            </a:r>
+          </a:p>
+          <a:p>
+            <a:endParaRPr lang="de-DE" dirty="0"/>
+          </a:p>
+          <a:p>
+            <a:endParaRPr lang="de-DE" dirty="0"/>
+          </a:p>
+          <a:p>
+            <a:r>
+              <a:rPr lang="de-DE" dirty="0"/>
+              <a:t>Heuristic: </a:t>
+            </a:r>
+          </a:p>
+          <a:p>
+            <a:r>
+              <a:rPr lang="de-DE" dirty="0"/>
+              <a:t>Least Pending Activities (LPA)</a:t>
+            </a:r>
+          </a:p>
+          <a:p>
+            <a:endParaRPr lang="de-DE" dirty="0"/>
+          </a:p>
+          <a:p>
+            <a:r>
+              <a:rPr lang="de-DE" dirty="0"/>
+              <a:t>Makespan: 40</a:t>
+            </a:r>
+          </a:p>
+          <a:p>
+            <a:endParaRPr lang="de-DE" dirty="0"/>
+          </a:p>
+          <a:p>
+            <a:endParaRPr lang="de-DE" dirty="0"/>
+          </a:p>
+        </p:txBody>
+      </p:sp>
+      <p:sp>
+        <p:nvSpPr>
+          <p:cNvPr id="6" name="Rectangle 5">
+            <a:extLst>
+              <a:ext uri="{FF2B5EF4-FFF2-40B4-BE49-F238E27FC236}">
+                <a16:creationId xmlns:a16="http://schemas.microsoft.com/office/drawing/2014/main" id="{E55B10C1-BA75-421F-AB4A-AE291BDAF77C}"/>
+              </a:ext>
+            </a:extLst>
+          </p:cNvPr>
+          <p:cNvSpPr/>
+          <p:nvPr/>
+        </p:nvSpPr>
+        <p:spPr>
+          <a:xfrm>
+            <a:off x="5570620" y="-1010653"/>
+            <a:ext cx="914400" cy="914400"/>
+          </a:xfrm>
+          <a:prstGeom prst="rect">
+            <a:avLst/>
+          </a:prstGeom>
+          <a:solidFill>
+            <a:srgbClr val="FFC000"/>
+          </a:solidFill>
+        </p:spPr>
+        <p:style>
+          <a:lnRef idx="2">
+            <a:schemeClr val="accent1">
+              <a:shade val="50000"/>
+            </a:schemeClr>
+          </a:lnRef>
+          <a:fillRef idx="1">
+            <a:schemeClr val="accent1"/>
+          </a:fillRef>
+          <a:effectRef idx="0">
+            <a:schemeClr val="accent1"/>
+          </a:effectRef>
+          <a:fontRef idx="minor">
+            <a:schemeClr val="lt1"/>
+          </a:fontRef>
+        </p:style>
+        <p:txBody>
+          <a:bodyPr rtlCol="0" anchor="ctr"/>
+          <a:lstStyle/>
+          <a:p>
+            <a:pPr algn="ctr"/>
+            <a:r>
+              <a:rPr lang="es-419" dirty="0"/>
+              <a:t>J2</a:t>
+            </a:r>
+            <a:endParaRPr lang="en-US" dirty="0"/>
+          </a:p>
+        </p:txBody>
+      </p:sp>
+      <p:sp>
+        <p:nvSpPr>
+          <p:cNvPr id="8" name="Rectangle 7">
+            <a:extLst>
+              <a:ext uri="{FF2B5EF4-FFF2-40B4-BE49-F238E27FC236}">
+                <a16:creationId xmlns:a16="http://schemas.microsoft.com/office/drawing/2014/main" id="{FEFD8500-FBA5-4A07-8266-94D899F047F3}"/>
+              </a:ext>
+            </a:extLst>
+          </p:cNvPr>
+          <p:cNvSpPr/>
+          <p:nvPr/>
+        </p:nvSpPr>
+        <p:spPr>
+          <a:xfrm>
+            <a:off x="8987590" y="-1010653"/>
+            <a:ext cx="914400" cy="914400"/>
+          </a:xfrm>
+          <a:prstGeom prst="rect">
+            <a:avLst/>
+          </a:prstGeom>
+          <a:solidFill>
+            <a:srgbClr val="00B050"/>
+          </a:solidFill>
+        </p:spPr>
+        <p:style>
+          <a:lnRef idx="2">
+            <a:schemeClr val="accent1">
+              <a:shade val="50000"/>
+            </a:schemeClr>
+          </a:lnRef>
+          <a:fillRef idx="1">
+            <a:schemeClr val="accent1"/>
+          </a:fillRef>
+          <a:effectRef idx="0">
+            <a:schemeClr val="accent1"/>
+          </a:effectRef>
+          <a:fontRef idx="minor">
+            <a:schemeClr val="lt1"/>
+          </a:fontRef>
+        </p:style>
+        <p:txBody>
+          <a:bodyPr rtlCol="0" anchor="ctr"/>
+          <a:lstStyle/>
+          <a:p>
+            <a:pPr algn="ctr"/>
+            <a:r>
+              <a:rPr lang="es-419" dirty="0"/>
+              <a:t>J4</a:t>
+            </a:r>
+            <a:endParaRPr lang="en-US" dirty="0"/>
+          </a:p>
+        </p:txBody>
+      </p:sp>
+      <p:sp>
+        <p:nvSpPr>
+          <p:cNvPr id="9" name="Rectangle 8">
+            <a:extLst>
+              <a:ext uri="{FF2B5EF4-FFF2-40B4-BE49-F238E27FC236}">
+                <a16:creationId xmlns:a16="http://schemas.microsoft.com/office/drawing/2014/main" id="{521DAF4A-5711-47AE-850A-F86526E6EF75}"/>
+              </a:ext>
+            </a:extLst>
+          </p:cNvPr>
+          <p:cNvSpPr/>
+          <p:nvPr/>
+        </p:nvSpPr>
+        <p:spPr>
+          <a:xfrm>
+            <a:off x="10214811" y="-1010653"/>
+            <a:ext cx="914400" cy="914400"/>
+          </a:xfrm>
+          <a:prstGeom prst="rect">
+            <a:avLst/>
+          </a:prstGeom>
+          <a:solidFill>
+            <a:schemeClr val="accent3">
+              <a:lumMod val="60000"/>
+              <a:lumOff val="40000"/>
+            </a:schemeClr>
+          </a:solidFill>
+        </p:spPr>
+        <p:style>
+          <a:lnRef idx="2">
+            <a:schemeClr val="accent1">
+              <a:shade val="50000"/>
+            </a:schemeClr>
+          </a:lnRef>
+          <a:fillRef idx="1">
+            <a:schemeClr val="accent1"/>
+          </a:fillRef>
+          <a:effectRef idx="0">
+            <a:schemeClr val="accent1"/>
+          </a:effectRef>
+          <a:fontRef idx="minor">
+            <a:schemeClr val="lt1"/>
+          </a:fontRef>
+        </p:style>
+        <p:txBody>
+          <a:bodyPr rtlCol="0" anchor="ctr"/>
+          <a:lstStyle/>
+          <a:p>
+            <a:pPr algn="ctr"/>
+            <a:r>
+              <a:rPr lang="es-419" dirty="0"/>
+              <a:t>J5</a:t>
+            </a:r>
+            <a:endParaRPr lang="en-US" dirty="0"/>
+          </a:p>
+        </p:txBody>
+      </p:sp>
+      <p:sp>
+        <p:nvSpPr>
+          <p:cNvPr id="17" name="Rectangle 16">
+            <a:extLst>
+              <a:ext uri="{FF2B5EF4-FFF2-40B4-BE49-F238E27FC236}">
+                <a16:creationId xmlns:a16="http://schemas.microsoft.com/office/drawing/2014/main" id="{09C9F743-1511-4D1A-A797-F33A333213F7}"/>
+              </a:ext>
+            </a:extLst>
+          </p:cNvPr>
+          <p:cNvSpPr/>
+          <p:nvPr/>
+        </p:nvSpPr>
+        <p:spPr>
+          <a:xfrm>
+            <a:off x="4384949" y="-1010653"/>
+            <a:ext cx="914400" cy="914400"/>
+          </a:xfrm>
+          <a:prstGeom prst="rect">
+            <a:avLst/>
+          </a:prstGeom>
+        </p:spPr>
+        <p:style>
+          <a:lnRef idx="2">
+            <a:schemeClr val="accent1">
+              <a:shade val="50000"/>
+            </a:schemeClr>
+          </a:lnRef>
+          <a:fillRef idx="1">
+            <a:schemeClr val="accent1"/>
+          </a:fillRef>
+          <a:effectRef idx="0">
+            <a:schemeClr val="accent1"/>
+          </a:effectRef>
+          <a:fontRef idx="minor">
+            <a:schemeClr val="lt1"/>
+          </a:fontRef>
+        </p:style>
+        <p:txBody>
+          <a:bodyPr rtlCol="0" anchor="ctr"/>
+          <a:lstStyle/>
+          <a:p>
+            <a:pPr algn="ctr"/>
+            <a:r>
+              <a:rPr lang="es-419" dirty="0"/>
+              <a:t>J1</a:t>
+            </a:r>
+            <a:endParaRPr lang="en-US" dirty="0"/>
+          </a:p>
+        </p:txBody>
+      </p:sp>
+      <p:sp>
+        <p:nvSpPr>
+          <p:cNvPr id="25" name="Rectangle 24">
+            <a:extLst>
+              <a:ext uri="{FF2B5EF4-FFF2-40B4-BE49-F238E27FC236}">
+                <a16:creationId xmlns:a16="http://schemas.microsoft.com/office/drawing/2014/main" id="{98F85B07-156D-44EA-ABF6-B1308D53D611}"/>
+              </a:ext>
+            </a:extLst>
+          </p:cNvPr>
+          <p:cNvSpPr/>
+          <p:nvPr/>
+        </p:nvSpPr>
+        <p:spPr>
+          <a:xfrm>
+            <a:off x="6887519" y="-1010653"/>
+            <a:ext cx="914400" cy="914400"/>
+          </a:xfrm>
+          <a:prstGeom prst="rect">
+            <a:avLst/>
+          </a:prstGeom>
+          <a:solidFill>
+            <a:srgbClr val="FF0000"/>
+          </a:solidFill>
+        </p:spPr>
+        <p:style>
+          <a:lnRef idx="2">
+            <a:schemeClr val="accent1">
+              <a:shade val="50000"/>
+            </a:schemeClr>
+          </a:lnRef>
+          <a:fillRef idx="1">
+            <a:schemeClr val="accent1"/>
+          </a:fillRef>
+          <a:effectRef idx="0">
+            <a:schemeClr val="accent1"/>
+          </a:effectRef>
+          <a:fontRef idx="minor">
+            <a:schemeClr val="lt1"/>
+          </a:fontRef>
+        </p:style>
+        <p:txBody>
+          <a:bodyPr rtlCol="0" anchor="ctr"/>
+          <a:lstStyle/>
+          <a:p>
+            <a:pPr algn="ctr"/>
+            <a:r>
+              <a:rPr lang="es-419" dirty="0"/>
+              <a:t>J3</a:t>
+            </a:r>
+            <a:endParaRPr lang="en-US" dirty="0"/>
+          </a:p>
+        </p:txBody>
+      </p:sp>
+      <p:sp>
+        <p:nvSpPr>
+          <p:cNvPr id="12" name="TextBox 11">
+            <a:extLst>
+              <a:ext uri="{FF2B5EF4-FFF2-40B4-BE49-F238E27FC236}">
+                <a16:creationId xmlns:a16="http://schemas.microsoft.com/office/drawing/2014/main" id="{1A4B2088-FE10-498A-8473-22709F3EECCF}"/>
+              </a:ext>
+            </a:extLst>
+          </p:cNvPr>
+          <p:cNvSpPr txBox="1"/>
+          <p:nvPr/>
+        </p:nvSpPr>
+        <p:spPr>
+          <a:xfrm>
+            <a:off x="16810736" y="6730425"/>
+            <a:ext cx="1484702" cy="584775"/>
+          </a:xfrm>
+          <a:prstGeom prst="rect">
+            <a:avLst/>
+          </a:prstGeom>
+          <a:noFill/>
+        </p:spPr>
+        <p:txBody>
+          <a:bodyPr wrap="none" rtlCol="0">
+            <a:spAutoFit/>
+          </a:bodyPr>
+          <a:lstStyle/>
+          <a:p>
+            <a:pPr algn="r"/>
+            <a:r>
+              <a:rPr lang="es-419" sz="3200" b="1" dirty="0">
+                <a:latin typeface="Times New Roman" panose="02020603050405020304" pitchFamily="18" charset="0"/>
+                <a:cs typeface="Times New Roman" panose="02020603050405020304" pitchFamily="18" charset="0"/>
+              </a:rPr>
+              <a:t>GEN02</a:t>
+            </a:r>
+            <a:endParaRPr lang="en-US" sz="3200" b="1" dirty="0">
+              <a:latin typeface="Times New Roman" panose="02020603050405020304" pitchFamily="18" charset="0"/>
+              <a:cs typeface="Times New Roman" panose="02020603050405020304" pitchFamily="18" charset="0"/>
+            </a:endParaRPr>
+          </a:p>
+        </p:txBody>
+      </p:sp>
+    </p:spTree>
+    <p:extLst>
+      <p:ext uri="{BB962C8B-B14F-4D97-AF65-F5344CB8AC3E}">
+        <p14:creationId xmlns:p14="http://schemas.microsoft.com/office/powerpoint/2010/main" val="1601998361"/>
       </p:ext>
     </p:extLst>
   </p:cSld>
